--- a/architecture.pptx
+++ b/architecture.pptx
@@ -104,6 +104,11 @@
       </a:defRPr>
     </a:lvl9pPr>
   </p:defaultTextStyle>
+  <p:extLst>
+    <p:ext uri="{EFAFB233-063F-42B5-8137-9DF3F51BA10A}">
+      <p15:sldGuideLst xmlns:p15="http://schemas.microsoft.com/office/powerpoint/2012/main"/>
+    </p:ext>
+  </p:extLst>
 </p:presentation>
 </file>
 
@@ -3388,7 +3393,7 @@
         </p:nvSpPr>
         <p:spPr>
           <a:xfrm>
-            <a:off x="241601" y="3786969"/>
+            <a:off x="161380" y="4412377"/>
             <a:ext cx="1524000" cy="690113"/>
           </a:xfrm>
           <a:prstGeom prst="rect">
@@ -3441,7 +3446,7 @@
         </p:nvSpPr>
         <p:spPr>
           <a:xfrm>
-            <a:off x="1641151" y="462951"/>
+            <a:off x="1693946" y="792898"/>
             <a:ext cx="1500994" cy="598099"/>
           </a:xfrm>
           <a:prstGeom prst="flowChartPunchedTape">
@@ -3497,8 +3502,8 @@
         </p:nvSpPr>
         <p:spPr>
           <a:xfrm>
-            <a:off x="3369498" y="572214"/>
-            <a:ext cx="3157263" cy="373814"/>
+            <a:off x="3369499" y="917091"/>
+            <a:ext cx="2168660" cy="373814"/>
           </a:xfrm>
           <a:prstGeom prst="flowChartAlternateProcess">
             <a:avLst/>
@@ -3540,6 +3545,33 @@
                 <a:effectLst/>
                 <a:latin typeface="Consolas" panose="020B0609020204030204" pitchFamily="49" charset="0"/>
               </a:rPr>
+              <a:t>Read_input</a:t>
+            </a:r>
+            <a:r>
+              <a:rPr lang="en-US" altLang="zh-CN" sz="1200" b="0" dirty="0">
+                <a:solidFill>
+                  <a:srgbClr val="795E26"/>
+                </a:solidFill>
+                <a:effectLst/>
+                <a:latin typeface="Consolas" panose="020B0609020204030204" pitchFamily="49" charset="0"/>
+              </a:rPr>
+              <a:t>.</a:t>
+            </a:r>
+          </a:p>
+          <a:p>
+            <a:pPr>
+              <a:lnSpc>
+                <a:spcPts val="1425"/>
+              </a:lnSpc>
+            </a:pPr>
+            <a:r>
+              <a:rPr lang="en-US" altLang="zh-CN" sz="1200" b="0" dirty="0" err="1">
+                <a:solidFill>
+                  <a:srgbClr val="795E26"/>
+                </a:solidFill>
+                <a:effectLst/>
+                <a:latin typeface="Consolas" panose="020B0609020204030204" pitchFamily="49" charset="0"/>
+              </a:rPr>
               <a:t>read_resource_calc_wref</a:t>
             </a:r>
             <a:endParaRPr lang="en-US" altLang="zh-CN" sz="1200" b="0" dirty="0">
@@ -3566,8 +3598,8 @@
         </p:nvSpPr>
         <p:spPr>
           <a:xfrm>
-            <a:off x="2293244" y="3789160"/>
-            <a:ext cx="1130060" cy="690113"/>
+            <a:off x="2145275" y="4480301"/>
+            <a:ext cx="1358605" cy="554264"/>
           </a:xfrm>
           <a:prstGeom prst="flowChartAlternateProcess">
             <a:avLst/>
@@ -3609,6 +3641,33 @@
                 <a:effectLst/>
                 <a:latin typeface="Consolas" panose="020B0609020204030204" pitchFamily="49" charset="0"/>
               </a:rPr>
+              <a:t>Read_input</a:t>
+            </a:r>
+            <a:r>
+              <a:rPr lang="en-US" altLang="zh-CN" sz="1200" b="0" dirty="0">
+                <a:solidFill>
+                  <a:srgbClr val="795E26"/>
+                </a:solidFill>
+                <a:effectLst/>
+                <a:latin typeface="Consolas" panose="020B0609020204030204" pitchFamily="49" charset="0"/>
+              </a:rPr>
+              <a:t>.</a:t>
+            </a:r>
+          </a:p>
+          <a:p>
+            <a:pPr>
+              <a:lnSpc>
+                <a:spcPts val="1425"/>
+              </a:lnSpc>
+            </a:pPr>
+            <a:r>
+              <a:rPr lang="en-US" altLang="zh-CN" sz="1200" b="0" dirty="0" err="1">
+                <a:solidFill>
+                  <a:srgbClr val="795E26"/>
+                </a:solidFill>
+                <a:effectLst/>
+                <a:latin typeface="Consolas" panose="020B0609020204030204" pitchFamily="49" charset="0"/>
+              </a:rPr>
               <a:t>read_turbine</a:t>
             </a:r>
             <a:endParaRPr lang="en-US" altLang="zh-CN" sz="1200" b="0" dirty="0">
@@ -3635,7 +3694,7 @@
         </p:nvSpPr>
         <p:spPr>
           <a:xfrm>
-            <a:off x="2050160" y="2422578"/>
+            <a:off x="2025111" y="2863262"/>
             <a:ext cx="2513157" cy="373814"/>
           </a:xfrm>
           <a:prstGeom prst="flowChartAlternateProcess">
@@ -3671,6 +3730,22 @@
               </a:lnSpc>
             </a:pPr>
             <a:r>
+              <a:rPr lang="en-US" altLang="zh-CN" sz="1200" dirty="0">
+                <a:solidFill>
+                  <a:srgbClr val="795E26"/>
+                </a:solidFill>
+                <a:latin typeface="Consolas" panose="020B0609020204030204" pitchFamily="49" charset="0"/>
+              </a:rPr>
+              <a:t>Interpolate_4_loc.</a:t>
+            </a:r>
+          </a:p>
+          <a:p>
+            <a:pPr>
+              <a:lnSpc>
+                <a:spcPts val="1425"/>
+              </a:lnSpc>
+            </a:pPr>
+            <a:r>
               <a:rPr lang="en-US" altLang="zh-CN" sz="1200" b="0" dirty="0" err="1">
                 <a:solidFill>
                   <a:srgbClr val="795E26"/>
@@ -3704,8 +3779,8 @@
         </p:nvSpPr>
         <p:spPr>
           <a:xfrm>
-            <a:off x="2444443" y="1604512"/>
-            <a:ext cx="2909972" cy="373814"/>
+            <a:off x="2444443" y="1604511"/>
+            <a:ext cx="2118874" cy="388885"/>
           </a:xfrm>
           <a:prstGeom prst="flowChartAlternateProcess">
             <a:avLst/>
@@ -3740,6 +3815,22 @@
               </a:lnSpc>
             </a:pPr>
             <a:r>
+              <a:rPr lang="en-US" altLang="zh-CN" sz="1200" dirty="0">
+                <a:solidFill>
+                  <a:srgbClr val="795E26"/>
+                </a:solidFill>
+                <a:latin typeface="Consolas" panose="020B0609020204030204" pitchFamily="49" charset="0"/>
+              </a:rPr>
+              <a:t>Interpolate_4_loc.</a:t>
+            </a:r>
+          </a:p>
+          <a:p>
+            <a:pPr>
+              <a:lnSpc>
+                <a:spcPts val="1425"/>
+              </a:lnSpc>
+            </a:pPr>
+            <a:r>
               <a:rPr lang="en-US" altLang="zh-CN" sz="1200" dirty="0" err="1">
                 <a:solidFill>
                   <a:srgbClr val="795E26"/>
@@ -3782,8 +3873,8 @@
         </p:nvSpPr>
         <p:spPr>
           <a:xfrm>
-            <a:off x="6788987" y="488821"/>
-            <a:ext cx="2513157" cy="543473"/>
+            <a:off x="6188895" y="780147"/>
+            <a:ext cx="1764104" cy="647701"/>
           </a:xfrm>
           <a:prstGeom prst="flowChartAlternateProcess">
             <a:avLst/>
@@ -3818,6 +3909,22 @@
               </a:lnSpc>
             </a:pPr>
             <a:r>
+              <a:rPr lang="en-US" altLang="zh-CN" sz="1200" dirty="0">
+                <a:solidFill>
+                  <a:srgbClr val="795E26"/>
+                </a:solidFill>
+                <a:latin typeface="Consolas" panose="020B0609020204030204" pitchFamily="49" charset="0"/>
+              </a:rPr>
+              <a:t>Interpolate_4_loc.</a:t>
+            </a:r>
+          </a:p>
+          <a:p>
+            <a:pPr>
+              <a:lnSpc>
+                <a:spcPts val="1425"/>
+              </a:lnSpc>
+            </a:pPr>
+            <a:r>
               <a:rPr lang="en-US" altLang="zh-CN" sz="1200" b="0" dirty="0" err="1">
                 <a:solidFill>
                   <a:srgbClr val="795E26"/>
@@ -3851,8 +3958,8 @@
         </p:nvSpPr>
         <p:spPr>
           <a:xfrm>
-            <a:off x="9565255" y="550645"/>
-            <a:ext cx="1764103" cy="442823"/>
+            <a:off x="8532114" y="772938"/>
+            <a:ext cx="1764104" cy="640541"/>
           </a:xfrm>
           <a:prstGeom prst="flowChartAlternateProcess">
             <a:avLst/>
@@ -3887,6 +3994,22 @@
               </a:lnSpc>
             </a:pPr>
             <a:r>
+              <a:rPr lang="en-US" altLang="zh-CN" sz="1200" dirty="0">
+                <a:solidFill>
+                  <a:srgbClr val="795E26"/>
+                </a:solidFill>
+                <a:latin typeface="Consolas" panose="020B0609020204030204" pitchFamily="49" charset="0"/>
+              </a:rPr>
+              <a:t>Interpolate_4_loc.</a:t>
+            </a:r>
+          </a:p>
+          <a:p>
+            <a:pPr>
+              <a:lnSpc>
+                <a:spcPts val="1425"/>
+              </a:lnSpc>
+            </a:pPr>
+            <a:r>
               <a:rPr lang="en-US" altLang="zh-CN" sz="1200" dirty="0" err="1">
                 <a:solidFill>
                   <a:srgbClr val="795E26"/>
@@ -3918,8 +4041,8 @@
         </p:nvSpPr>
         <p:spPr>
           <a:xfrm>
-            <a:off x="4907049" y="3154374"/>
-            <a:ext cx="1276705" cy="327804"/>
+            <a:off x="4866843" y="3549057"/>
+            <a:ext cx="1524000" cy="497834"/>
           </a:xfrm>
           <a:prstGeom prst="flowChartAlternateProcess">
             <a:avLst/>
@@ -3954,13 +4077,30 @@
               </a:lnSpc>
             </a:pPr>
             <a:r>
-              <a:rPr lang="en-US" altLang="zh-CN" sz="1200" dirty="0" err="1">
+              <a:rPr lang="en-US" altLang="zh-CN" sz="1200" dirty="0">
                 <a:solidFill>
                   <a:srgbClr val="795E26"/>
                 </a:solidFill>
                 <a:latin typeface="Consolas" panose="020B0609020204030204" pitchFamily="49" charset="0"/>
               </a:rPr>
-              <a:t>weibull</a:t>
+              <a:t>Weibull.</a:t>
+            </a:r>
+          </a:p>
+          <a:p>
+            <a:pPr>
+              <a:lnSpc>
+                <a:spcPts val="1425"/>
+              </a:lnSpc>
+            </a:pPr>
+            <a:r>
+              <a:rPr lang="en-US" altLang="zh-CN" sz="1200" b="0" dirty="0" err="1">
+                <a:solidFill>
+                  <a:srgbClr val="795E26"/>
+                </a:solidFill>
+                <a:effectLst/>
+                <a:latin typeface="Consolas" panose="020B0609020204030204" pitchFamily="49" charset="0"/>
+              </a:rPr>
+              <a:t>Process_weibull</a:t>
             </a:r>
             <a:endParaRPr lang="en-US" altLang="zh-CN" sz="1200" b="0" dirty="0">
               <a:solidFill>
@@ -3986,8 +4126,8 @@
         </p:nvSpPr>
         <p:spPr>
           <a:xfrm>
-            <a:off x="6788986" y="3992563"/>
-            <a:ext cx="851135" cy="442823"/>
+            <a:off x="6741560" y="4480301"/>
+            <a:ext cx="1358605" cy="487475"/>
           </a:xfrm>
           <a:prstGeom prst="flowChartAlternateProcess">
             <a:avLst/>
@@ -4022,13 +4162,39 @@
               </a:lnSpc>
             </a:pPr>
             <a:r>
+              <a:rPr lang="en-US" altLang="zh-CN" sz="1200" dirty="0" err="1">
+                <a:solidFill>
+                  <a:srgbClr val="795E26"/>
+                </a:solidFill>
+                <a:latin typeface="Consolas" panose="020B0609020204030204" pitchFamily="49" charset="0"/>
+              </a:rPr>
+              <a:t>aep</a:t>
+            </a:r>
+            <a:r>
               <a:rPr lang="en-US" altLang="zh-CN" sz="1200" dirty="0">
                 <a:solidFill>
                   <a:srgbClr val="795E26"/>
                 </a:solidFill>
                 <a:latin typeface="Consolas" panose="020B0609020204030204" pitchFamily="49" charset="0"/>
               </a:rPr>
-              <a:t>AEP</a:t>
+              <a:t>.</a:t>
+            </a:r>
+          </a:p>
+          <a:p>
+            <a:pPr>
+              <a:lnSpc>
+                <a:spcPts val="1425"/>
+              </a:lnSpc>
+            </a:pPr>
+            <a:r>
+              <a:rPr lang="en-US" altLang="zh-CN" sz="1200" b="0" dirty="0" err="1">
+                <a:solidFill>
+                  <a:srgbClr val="795E26"/>
+                </a:solidFill>
+                <a:effectLst/>
+                <a:latin typeface="Consolas" panose="020B0609020204030204" pitchFamily="49" charset="0"/>
+              </a:rPr>
+              <a:t>power_range</a:t>
             </a:r>
             <a:endParaRPr lang="en-US" altLang="zh-CN" sz="1200" b="0" dirty="0">
               <a:solidFill>
@@ -4038,6 +4204,20 @@
               <a:latin typeface="Consolas" panose="020B0609020204030204" pitchFamily="49" charset="0"/>
             </a:endParaRPr>
           </a:p>
+          <a:p>
+            <a:pPr>
+              <a:lnSpc>
+                <a:spcPts val="1425"/>
+              </a:lnSpc>
+            </a:pPr>
+            <a:endParaRPr lang="en-US" altLang="zh-CN" sz="1200" b="1" dirty="0">
+              <a:solidFill>
+                <a:srgbClr val="3B3B3B"/>
+              </a:solidFill>
+              <a:effectLst/>
+              <a:latin typeface="Consolas" panose="020B0609020204030204" pitchFamily="49" charset="0"/>
+            </a:endParaRPr>
+          </a:p>
         </p:txBody>
       </p:sp>
       <p:sp>
@@ -4054,7 +4234,7 @@
         </p:nvSpPr>
         <p:spPr>
           <a:xfrm>
-            <a:off x="6070121" y="2005628"/>
+            <a:off x="6244013" y="2774626"/>
             <a:ext cx="1437731" cy="416950"/>
           </a:xfrm>
           <a:prstGeom prst="flowChartAlternateProcess">
@@ -4098,6 +4278,32 @@
               </a:rPr>
               <a:t>wind_rose</a:t>
             </a:r>
+            <a:r>
+              <a:rPr lang="en-US" altLang="zh-CN" sz="1200" dirty="0">
+                <a:solidFill>
+                  <a:srgbClr val="795E26"/>
+                </a:solidFill>
+                <a:latin typeface="Consolas" panose="020B0609020204030204" pitchFamily="49" charset="0"/>
+              </a:rPr>
+              <a:t>.</a:t>
+            </a:r>
+          </a:p>
+          <a:p>
+            <a:pPr>
+              <a:lnSpc>
+                <a:spcPts val="1425"/>
+              </a:lnSpc>
+            </a:pPr>
+            <a:r>
+              <a:rPr lang="en-US" altLang="zh-CN" sz="1200" b="0" dirty="0" err="1">
+                <a:solidFill>
+                  <a:srgbClr val="795E26"/>
+                </a:solidFill>
+                <a:effectLst/>
+                <a:latin typeface="Consolas" panose="020B0609020204030204" pitchFamily="49" charset="0"/>
+              </a:rPr>
+              <a:t>Plot_wind_rose</a:t>
+            </a:r>
             <a:endParaRPr lang="en-US" altLang="zh-CN" sz="1200" b="0" dirty="0">
               <a:solidFill>
                 <a:srgbClr val="3B3B3B"/>
@@ -4122,8 +4328,8 @@
         </p:nvSpPr>
         <p:spPr>
           <a:xfrm>
-            <a:off x="7719150" y="1460752"/>
-            <a:ext cx="2168106" cy="600971"/>
+            <a:off x="8355653" y="2658329"/>
+            <a:ext cx="1576713" cy="596304"/>
           </a:xfrm>
           <a:prstGeom prst="flowChartInputOutput">
             <a:avLst/>
@@ -4170,7 +4376,7 @@
         </p:nvSpPr>
         <p:spPr>
           <a:xfrm>
-            <a:off x="8334552" y="3064876"/>
+            <a:off x="8168981" y="3511071"/>
             <a:ext cx="1603077" cy="506799"/>
           </a:xfrm>
           <a:prstGeom prst="flowChartInputOutput">
@@ -4204,12 +4410,569 @@
           </a:p>
         </p:txBody>
       </p:sp>
-      <p:sp>
-        <p:nvSpPr>
-          <p:cNvPr id="21" name="流程图: 可选过程 20">
-            <a:extLst>
-              <a:ext uri="{FF2B5EF4-FFF2-40B4-BE49-F238E27FC236}">
-                <a16:creationId xmlns:a16="http://schemas.microsoft.com/office/drawing/2014/main" id="{97DE385D-C2A3-ED52-EF41-E70A97D41393}"/>
+      <p:cxnSp>
+        <p:nvCxnSpPr>
+          <p:cNvPr id="24" name="直接箭头连接符 23">
+            <a:extLst>
+              <a:ext uri="{FF2B5EF4-FFF2-40B4-BE49-F238E27FC236}">
+                <a16:creationId xmlns:a16="http://schemas.microsoft.com/office/drawing/2014/main" id="{6E381ED7-84C9-0D11-EBC9-E250EE73B95E}"/>
+              </a:ext>
+            </a:extLst>
+          </p:cNvPr>
+          <p:cNvCxnSpPr>
+            <a:stCxn id="4" idx="3"/>
+            <a:endCxn id="6" idx="1"/>
+          </p:cNvCxnSpPr>
+          <p:nvPr/>
+        </p:nvCxnSpPr>
+        <p:spPr>
+          <a:xfrm flipV="1">
+            <a:off x="1370166" y="1091948"/>
+            <a:ext cx="323780" cy="696596"/>
+          </a:xfrm>
+          <a:prstGeom prst="straightConnector1">
+            <a:avLst/>
+          </a:prstGeom>
+          <a:ln>
+            <a:tailEnd type="triangle"/>
+          </a:ln>
+        </p:spPr>
+        <p:style>
+          <a:lnRef idx="2">
+            <a:schemeClr val="dk1"/>
+          </a:lnRef>
+          <a:fillRef idx="0">
+            <a:schemeClr val="dk1"/>
+          </a:fillRef>
+          <a:effectRef idx="1">
+            <a:schemeClr val="dk1"/>
+          </a:effectRef>
+          <a:fontRef idx="minor">
+            <a:schemeClr val="tx1"/>
+          </a:fontRef>
+        </p:style>
+      </p:cxnSp>
+      <p:cxnSp>
+        <p:nvCxnSpPr>
+          <p:cNvPr id="25" name="直接箭头连接符 24">
+            <a:extLst>
+              <a:ext uri="{FF2B5EF4-FFF2-40B4-BE49-F238E27FC236}">
+                <a16:creationId xmlns:a16="http://schemas.microsoft.com/office/drawing/2014/main" id="{746F9F38-1093-57E3-AC4C-222F653AE35D}"/>
+              </a:ext>
+            </a:extLst>
+          </p:cNvPr>
+          <p:cNvCxnSpPr>
+            <a:cxnSpLocks/>
+            <a:stCxn id="6" idx="3"/>
+            <a:endCxn id="7" idx="1"/>
+          </p:cNvCxnSpPr>
+          <p:nvPr/>
+        </p:nvCxnSpPr>
+        <p:spPr>
+          <a:xfrm>
+            <a:off x="3194940" y="1091948"/>
+            <a:ext cx="174559" cy="12050"/>
+          </a:xfrm>
+          <a:prstGeom prst="straightConnector1">
+            <a:avLst/>
+          </a:prstGeom>
+          <a:ln>
+            <a:tailEnd type="triangle"/>
+          </a:ln>
+        </p:spPr>
+        <p:style>
+          <a:lnRef idx="2">
+            <a:schemeClr val="dk1"/>
+          </a:lnRef>
+          <a:fillRef idx="0">
+            <a:schemeClr val="dk1"/>
+          </a:fillRef>
+          <a:effectRef idx="1">
+            <a:schemeClr val="dk1"/>
+          </a:effectRef>
+          <a:fontRef idx="minor">
+            <a:schemeClr val="tx1"/>
+          </a:fontRef>
+        </p:style>
+      </p:cxnSp>
+      <p:cxnSp>
+        <p:nvCxnSpPr>
+          <p:cNvPr id="28" name="直接箭头连接符 27">
+            <a:extLst>
+              <a:ext uri="{FF2B5EF4-FFF2-40B4-BE49-F238E27FC236}">
+                <a16:creationId xmlns:a16="http://schemas.microsoft.com/office/drawing/2014/main" id="{0C8C545C-29D7-6C91-61F4-16A51B8CB86F}"/>
+              </a:ext>
+            </a:extLst>
+          </p:cNvPr>
+          <p:cNvCxnSpPr>
+            <a:cxnSpLocks/>
+            <a:stCxn id="5" idx="3"/>
+            <a:endCxn id="10" idx="1"/>
+          </p:cNvCxnSpPr>
+          <p:nvPr/>
+        </p:nvCxnSpPr>
+        <p:spPr>
+          <a:xfrm flipV="1">
+            <a:off x="1685380" y="4757433"/>
+            <a:ext cx="459895" cy="1"/>
+          </a:xfrm>
+          <a:prstGeom prst="straightConnector1">
+            <a:avLst/>
+          </a:prstGeom>
+          <a:ln>
+            <a:tailEnd type="triangle"/>
+          </a:ln>
+        </p:spPr>
+        <p:style>
+          <a:lnRef idx="2">
+            <a:schemeClr val="dk1"/>
+          </a:lnRef>
+          <a:fillRef idx="0">
+            <a:schemeClr val="dk1"/>
+          </a:fillRef>
+          <a:effectRef idx="1">
+            <a:schemeClr val="dk1"/>
+          </a:effectRef>
+          <a:fontRef idx="minor">
+            <a:schemeClr val="tx1"/>
+          </a:fontRef>
+        </p:style>
+      </p:cxnSp>
+      <p:cxnSp>
+        <p:nvCxnSpPr>
+          <p:cNvPr id="34" name="直接箭头连接符 33">
+            <a:extLst>
+              <a:ext uri="{FF2B5EF4-FFF2-40B4-BE49-F238E27FC236}">
+                <a16:creationId xmlns:a16="http://schemas.microsoft.com/office/drawing/2014/main" id="{6F7C0D68-3EA9-8A12-93B7-DED34BE42A6E}"/>
+              </a:ext>
+            </a:extLst>
+          </p:cNvPr>
+          <p:cNvCxnSpPr>
+            <a:cxnSpLocks/>
+            <a:stCxn id="10" idx="3"/>
+            <a:endCxn id="17" idx="1"/>
+          </p:cNvCxnSpPr>
+          <p:nvPr/>
+        </p:nvCxnSpPr>
+        <p:spPr>
+          <a:xfrm flipV="1">
+            <a:off x="3503880" y="4724039"/>
+            <a:ext cx="3237680" cy="33394"/>
+          </a:xfrm>
+          <a:prstGeom prst="straightConnector1">
+            <a:avLst/>
+          </a:prstGeom>
+          <a:ln>
+            <a:tailEnd type="triangle"/>
+          </a:ln>
+        </p:spPr>
+        <p:style>
+          <a:lnRef idx="2">
+            <a:schemeClr val="dk1"/>
+          </a:lnRef>
+          <a:fillRef idx="0">
+            <a:schemeClr val="dk1"/>
+          </a:fillRef>
+          <a:effectRef idx="1">
+            <a:schemeClr val="dk1"/>
+          </a:effectRef>
+          <a:fontRef idx="minor">
+            <a:schemeClr val="tx1"/>
+          </a:fontRef>
+        </p:style>
+      </p:cxnSp>
+      <p:cxnSp>
+        <p:nvCxnSpPr>
+          <p:cNvPr id="39" name="直接箭头连接符 38">
+            <a:extLst>
+              <a:ext uri="{FF2B5EF4-FFF2-40B4-BE49-F238E27FC236}">
+                <a16:creationId xmlns:a16="http://schemas.microsoft.com/office/drawing/2014/main" id="{692AAA92-DB30-12CE-AFB9-EB0B0F99E87A}"/>
+              </a:ext>
+            </a:extLst>
+          </p:cNvPr>
+          <p:cNvCxnSpPr>
+            <a:cxnSpLocks/>
+            <a:stCxn id="16" idx="3"/>
+            <a:endCxn id="17" idx="1"/>
+          </p:cNvCxnSpPr>
+          <p:nvPr/>
+        </p:nvCxnSpPr>
+        <p:spPr>
+          <a:xfrm>
+            <a:off x="6390843" y="3797974"/>
+            <a:ext cx="350717" cy="926065"/>
+          </a:xfrm>
+          <a:prstGeom prst="straightConnector1">
+            <a:avLst/>
+          </a:prstGeom>
+          <a:ln>
+            <a:tailEnd type="triangle"/>
+          </a:ln>
+        </p:spPr>
+        <p:style>
+          <a:lnRef idx="2">
+            <a:schemeClr val="dk1"/>
+          </a:lnRef>
+          <a:fillRef idx="0">
+            <a:schemeClr val="dk1"/>
+          </a:fillRef>
+          <a:effectRef idx="1">
+            <a:schemeClr val="dk1"/>
+          </a:effectRef>
+          <a:fontRef idx="minor">
+            <a:schemeClr val="tx1"/>
+          </a:fontRef>
+        </p:style>
+      </p:cxnSp>
+      <p:cxnSp>
+        <p:nvCxnSpPr>
+          <p:cNvPr id="43" name="直接箭头连接符 42">
+            <a:extLst>
+              <a:ext uri="{FF2B5EF4-FFF2-40B4-BE49-F238E27FC236}">
+                <a16:creationId xmlns:a16="http://schemas.microsoft.com/office/drawing/2014/main" id="{4F84265E-4D39-1764-1F02-2E5C75D87B1C}"/>
+              </a:ext>
+            </a:extLst>
+          </p:cNvPr>
+          <p:cNvCxnSpPr>
+            <a:cxnSpLocks/>
+            <a:stCxn id="16" idx="3"/>
+            <a:endCxn id="20" idx="2"/>
+          </p:cNvCxnSpPr>
+          <p:nvPr/>
+        </p:nvCxnSpPr>
+        <p:spPr>
+          <a:xfrm flipV="1">
+            <a:off x="6390843" y="3764471"/>
+            <a:ext cx="1938446" cy="33503"/>
+          </a:xfrm>
+          <a:prstGeom prst="straightConnector1">
+            <a:avLst/>
+          </a:prstGeom>
+          <a:ln>
+            <a:tailEnd type="triangle"/>
+          </a:ln>
+        </p:spPr>
+        <p:style>
+          <a:lnRef idx="2">
+            <a:schemeClr val="dk1"/>
+          </a:lnRef>
+          <a:fillRef idx="0">
+            <a:schemeClr val="dk1"/>
+          </a:fillRef>
+          <a:effectRef idx="1">
+            <a:schemeClr val="dk1"/>
+          </a:effectRef>
+          <a:fontRef idx="minor">
+            <a:schemeClr val="tx1"/>
+          </a:fontRef>
+        </p:style>
+      </p:cxnSp>
+      <p:cxnSp>
+        <p:nvCxnSpPr>
+          <p:cNvPr id="51" name="直接箭头连接符 50">
+            <a:extLst>
+              <a:ext uri="{FF2B5EF4-FFF2-40B4-BE49-F238E27FC236}">
+                <a16:creationId xmlns:a16="http://schemas.microsoft.com/office/drawing/2014/main" id="{728CBC93-1DC5-A525-5724-3656FEB08759}"/>
+              </a:ext>
+            </a:extLst>
+          </p:cNvPr>
+          <p:cNvCxnSpPr>
+            <a:stCxn id="4" idx="3"/>
+            <a:endCxn id="11" idx="1"/>
+          </p:cNvCxnSpPr>
+          <p:nvPr/>
+        </p:nvCxnSpPr>
+        <p:spPr>
+          <a:xfrm>
+            <a:off x="1370166" y="1788544"/>
+            <a:ext cx="654945" cy="1261625"/>
+          </a:xfrm>
+          <a:prstGeom prst="straightConnector1">
+            <a:avLst/>
+          </a:prstGeom>
+          <a:ln>
+            <a:tailEnd type="triangle"/>
+          </a:ln>
+        </p:spPr>
+        <p:style>
+          <a:lnRef idx="2">
+            <a:schemeClr val="dk1"/>
+          </a:lnRef>
+          <a:fillRef idx="0">
+            <a:schemeClr val="dk1"/>
+          </a:fillRef>
+          <a:effectRef idx="1">
+            <a:schemeClr val="dk1"/>
+          </a:effectRef>
+          <a:fontRef idx="minor">
+            <a:schemeClr val="tx1"/>
+          </a:fontRef>
+        </p:style>
+      </p:cxnSp>
+      <p:cxnSp>
+        <p:nvCxnSpPr>
+          <p:cNvPr id="56" name="直接箭头连接符 55">
+            <a:extLst>
+              <a:ext uri="{FF2B5EF4-FFF2-40B4-BE49-F238E27FC236}">
+                <a16:creationId xmlns:a16="http://schemas.microsoft.com/office/drawing/2014/main" id="{024C741B-0DB7-F075-469D-2EA2298D76A4}"/>
+              </a:ext>
+            </a:extLst>
+          </p:cNvPr>
+          <p:cNvCxnSpPr>
+            <a:cxnSpLocks/>
+            <a:stCxn id="11" idx="3"/>
+            <a:endCxn id="118" idx="1"/>
+          </p:cNvCxnSpPr>
+          <p:nvPr/>
+        </p:nvCxnSpPr>
+        <p:spPr>
+          <a:xfrm flipV="1">
+            <a:off x="4538268" y="3030767"/>
+            <a:ext cx="457298" cy="19402"/>
+          </a:xfrm>
+          <a:prstGeom prst="straightConnector1">
+            <a:avLst/>
+          </a:prstGeom>
+          <a:ln>
+            <a:tailEnd type="triangle"/>
+          </a:ln>
+        </p:spPr>
+        <p:style>
+          <a:lnRef idx="2">
+            <a:schemeClr val="dk1"/>
+          </a:lnRef>
+          <a:fillRef idx="0">
+            <a:schemeClr val="dk1"/>
+          </a:fillRef>
+          <a:effectRef idx="1">
+            <a:schemeClr val="dk1"/>
+          </a:effectRef>
+          <a:fontRef idx="minor">
+            <a:schemeClr val="tx1"/>
+          </a:fontRef>
+        </p:style>
+      </p:cxnSp>
+      <p:cxnSp>
+        <p:nvCxnSpPr>
+          <p:cNvPr id="60" name="直接箭头连接符 59">
+            <a:extLst>
+              <a:ext uri="{FF2B5EF4-FFF2-40B4-BE49-F238E27FC236}">
+                <a16:creationId xmlns:a16="http://schemas.microsoft.com/office/drawing/2014/main" id="{2A95952E-C75C-951B-BB98-807B8DFE28B9}"/>
+              </a:ext>
+            </a:extLst>
+          </p:cNvPr>
+          <p:cNvCxnSpPr>
+            <a:cxnSpLocks/>
+            <a:stCxn id="118" idx="3"/>
+            <a:endCxn id="18" idx="1"/>
+          </p:cNvCxnSpPr>
+          <p:nvPr/>
+        </p:nvCxnSpPr>
+        <p:spPr>
+          <a:xfrm flipV="1">
+            <a:off x="5786715" y="2983101"/>
+            <a:ext cx="457298" cy="47666"/>
+          </a:xfrm>
+          <a:prstGeom prst="straightConnector1">
+            <a:avLst/>
+          </a:prstGeom>
+          <a:ln>
+            <a:tailEnd type="triangle"/>
+          </a:ln>
+        </p:spPr>
+        <p:style>
+          <a:lnRef idx="2">
+            <a:schemeClr val="dk1"/>
+          </a:lnRef>
+          <a:fillRef idx="0">
+            <a:schemeClr val="dk1"/>
+          </a:fillRef>
+          <a:effectRef idx="1">
+            <a:schemeClr val="dk1"/>
+          </a:effectRef>
+          <a:fontRef idx="minor">
+            <a:schemeClr val="tx1"/>
+          </a:fontRef>
+        </p:style>
+      </p:cxnSp>
+      <p:cxnSp>
+        <p:nvCxnSpPr>
+          <p:cNvPr id="66" name="直接箭头连接符 65">
+            <a:extLst>
+              <a:ext uri="{FF2B5EF4-FFF2-40B4-BE49-F238E27FC236}">
+                <a16:creationId xmlns:a16="http://schemas.microsoft.com/office/drawing/2014/main" id="{DF69D53B-42C5-2439-4E8E-DD22BD554F3E}"/>
+              </a:ext>
+            </a:extLst>
+          </p:cNvPr>
+          <p:cNvCxnSpPr>
+            <a:cxnSpLocks/>
+            <a:stCxn id="18" idx="3"/>
+            <a:endCxn id="19" idx="2"/>
+          </p:cNvCxnSpPr>
+          <p:nvPr/>
+        </p:nvCxnSpPr>
+        <p:spPr>
+          <a:xfrm flipV="1">
+            <a:off x="7681744" y="2956481"/>
+            <a:ext cx="831580" cy="26620"/>
+          </a:xfrm>
+          <a:prstGeom prst="straightConnector1">
+            <a:avLst/>
+          </a:prstGeom>
+          <a:ln>
+            <a:tailEnd type="triangle"/>
+          </a:ln>
+        </p:spPr>
+        <p:style>
+          <a:lnRef idx="2">
+            <a:schemeClr val="dk1"/>
+          </a:lnRef>
+          <a:fillRef idx="0">
+            <a:schemeClr val="dk1"/>
+          </a:fillRef>
+          <a:effectRef idx="1">
+            <a:schemeClr val="dk1"/>
+          </a:effectRef>
+          <a:fontRef idx="minor">
+            <a:schemeClr val="tx1"/>
+          </a:fontRef>
+        </p:style>
+      </p:cxnSp>
+      <p:cxnSp>
+        <p:nvCxnSpPr>
+          <p:cNvPr id="71" name="直接箭头连接符 70">
+            <a:extLst>
+              <a:ext uri="{FF2B5EF4-FFF2-40B4-BE49-F238E27FC236}">
+                <a16:creationId xmlns:a16="http://schemas.microsoft.com/office/drawing/2014/main" id="{BDA6D523-FBCF-7463-4D07-0978BBC4D766}"/>
+              </a:ext>
+            </a:extLst>
+          </p:cNvPr>
+          <p:cNvCxnSpPr>
+            <a:cxnSpLocks/>
+            <a:stCxn id="14" idx="3"/>
+            <a:endCxn id="15" idx="1"/>
+          </p:cNvCxnSpPr>
+          <p:nvPr/>
+        </p:nvCxnSpPr>
+        <p:spPr>
+          <a:xfrm flipV="1">
+            <a:off x="7952999" y="1093209"/>
+            <a:ext cx="579115" cy="10789"/>
+          </a:xfrm>
+          <a:prstGeom prst="straightConnector1">
+            <a:avLst/>
+          </a:prstGeom>
+          <a:ln>
+            <a:tailEnd type="triangle"/>
+          </a:ln>
+        </p:spPr>
+        <p:style>
+          <a:lnRef idx="2">
+            <a:schemeClr val="dk1"/>
+          </a:lnRef>
+          <a:fillRef idx="0">
+            <a:schemeClr val="dk1"/>
+          </a:fillRef>
+          <a:effectRef idx="1">
+            <a:schemeClr val="dk1"/>
+          </a:effectRef>
+          <a:fontRef idx="minor">
+            <a:schemeClr val="tx1"/>
+          </a:fontRef>
+        </p:style>
+      </p:cxnSp>
+      <p:cxnSp>
+        <p:nvCxnSpPr>
+          <p:cNvPr id="76" name="直接箭头连接符 75">
+            <a:extLst>
+              <a:ext uri="{FF2B5EF4-FFF2-40B4-BE49-F238E27FC236}">
+                <a16:creationId xmlns:a16="http://schemas.microsoft.com/office/drawing/2014/main" id="{60221087-A461-01D4-A30D-A4D06ED34928}"/>
+              </a:ext>
+            </a:extLst>
+          </p:cNvPr>
+          <p:cNvCxnSpPr>
+            <a:cxnSpLocks/>
+            <a:stCxn id="7" idx="3"/>
+            <a:endCxn id="14" idx="1"/>
+          </p:cNvCxnSpPr>
+          <p:nvPr/>
+        </p:nvCxnSpPr>
+        <p:spPr>
+          <a:xfrm>
+            <a:off x="5538159" y="1103998"/>
+            <a:ext cx="650736" cy="0"/>
+          </a:xfrm>
+          <a:prstGeom prst="straightConnector1">
+            <a:avLst/>
+          </a:prstGeom>
+          <a:ln>
+            <a:tailEnd type="triangle"/>
+          </a:ln>
+        </p:spPr>
+        <p:style>
+          <a:lnRef idx="2">
+            <a:schemeClr val="dk1"/>
+          </a:lnRef>
+          <a:fillRef idx="0">
+            <a:schemeClr val="dk1"/>
+          </a:fillRef>
+          <a:effectRef idx="1">
+            <a:schemeClr val="dk1"/>
+          </a:effectRef>
+          <a:fontRef idx="minor">
+            <a:schemeClr val="tx1"/>
+          </a:fontRef>
+        </p:style>
+      </p:cxnSp>
+      <p:cxnSp>
+        <p:nvCxnSpPr>
+          <p:cNvPr id="92" name="直接箭头连接符 91">
+            <a:extLst>
+              <a:ext uri="{FF2B5EF4-FFF2-40B4-BE49-F238E27FC236}">
+                <a16:creationId xmlns:a16="http://schemas.microsoft.com/office/drawing/2014/main" id="{8749BA0A-0D57-5D3B-2A3E-BACB15EF1BE6}"/>
+              </a:ext>
+            </a:extLst>
+          </p:cNvPr>
+          <p:cNvCxnSpPr>
+            <a:cxnSpLocks/>
+            <a:stCxn id="4" idx="3"/>
+            <a:endCxn id="12" idx="1"/>
+          </p:cNvCxnSpPr>
+          <p:nvPr/>
+        </p:nvCxnSpPr>
+        <p:spPr>
+          <a:xfrm>
+            <a:off x="1370166" y="1788544"/>
+            <a:ext cx="1074277" cy="10410"/>
+          </a:xfrm>
+          <a:prstGeom prst="straightConnector1">
+            <a:avLst/>
+          </a:prstGeom>
+          <a:ln>
+            <a:tailEnd type="triangle"/>
+          </a:ln>
+        </p:spPr>
+        <p:style>
+          <a:lnRef idx="2">
+            <a:schemeClr val="dk1"/>
+          </a:lnRef>
+          <a:fillRef idx="0">
+            <a:schemeClr val="dk1"/>
+          </a:fillRef>
+          <a:effectRef idx="1">
+            <a:schemeClr val="dk1"/>
+          </a:effectRef>
+          <a:fontRef idx="minor">
+            <a:schemeClr val="tx1"/>
+          </a:fontRef>
+        </p:style>
+      </p:cxnSp>
+      <p:sp>
+        <p:nvSpPr>
+          <p:cNvPr id="115" name="矩形 114">
+            <a:extLst>
+              <a:ext uri="{FF2B5EF4-FFF2-40B4-BE49-F238E27FC236}">
+                <a16:creationId xmlns:a16="http://schemas.microsoft.com/office/drawing/2014/main" id="{44FE2EED-72FE-CE08-0470-7DE3C060D6F2}"/>
               </a:ext>
             </a:extLst>
           </p:cNvPr>
@@ -4218,15 +4981,15 @@
         </p:nvSpPr>
         <p:spPr>
           <a:xfrm>
-            <a:off x="10997186" y="5257814"/>
-            <a:ext cx="851135" cy="442823"/>
-          </a:xfrm>
-          <a:prstGeom prst="flowChartAlternateProcess">
+            <a:off x="241601" y="6190897"/>
+            <a:ext cx="1128565" cy="365198"/>
+          </a:xfrm>
+          <a:prstGeom prst="rect">
             <a:avLst/>
           </a:prstGeom>
           <a:ln>
             <a:solidFill>
-              <a:srgbClr val="0070C0"/>
+              <a:schemeClr val="tx1"/>
             </a:solidFill>
           </a:ln>
         </p:spPr>
@@ -4248,39 +5011,21 @@
           <a:bodyPr rtlCol="0" anchor="ctr"/>
           <a:lstStyle/>
           <a:p>
-            <a:pPr>
-              <a:lnSpc>
-                <a:spcPts val="1425"/>
-              </a:lnSpc>
-            </a:pPr>
-            <a:r>
-              <a:rPr lang="en-US" altLang="zh-CN" sz="1200" dirty="0">
-                <a:solidFill>
-                  <a:srgbClr val="795E26"/>
-                </a:solidFill>
-                <a:latin typeface="Consolas" panose="020B0609020204030204" pitchFamily="49" charset="0"/>
-              </a:rPr>
-              <a:t>m</a:t>
-            </a:r>
-            <a:r>
-              <a:rPr lang="en-US" altLang="zh-CN" sz="1200" b="0" dirty="0">
-                <a:solidFill>
-                  <a:srgbClr val="795E26"/>
-                </a:solidFill>
-                <a:effectLst/>
-                <a:latin typeface="Consolas" panose="020B0609020204030204" pitchFamily="49" charset="0"/>
-              </a:rPr>
-              <a:t>ain</a:t>
-            </a:r>
-          </a:p>
-        </p:txBody>
-      </p:sp>
-      <p:sp>
-        <p:nvSpPr>
-          <p:cNvPr id="22" name="矩形 21">
-            <a:extLst>
-              <a:ext uri="{FF2B5EF4-FFF2-40B4-BE49-F238E27FC236}">
-                <a16:creationId xmlns:a16="http://schemas.microsoft.com/office/drawing/2014/main" id="{2BDEF63D-7FF0-AC9B-CDAE-E676D00A8CC0}"/>
+            <a:pPr algn="ctr"/>
+            <a:r>
+              <a:rPr lang="en-US" altLang="zh-CN" sz="1200" dirty="0"/>
+              <a:t>Input/output files</a:t>
+            </a:r>
+            <a:endParaRPr lang="zh-CN" altLang="en-US" sz="1200" dirty="0"/>
+          </a:p>
+        </p:txBody>
+      </p:sp>
+      <p:sp>
+        <p:nvSpPr>
+          <p:cNvPr id="116" name="流程图: 可选过程 115">
+            <a:extLst>
+              <a:ext uri="{FF2B5EF4-FFF2-40B4-BE49-F238E27FC236}">
+                <a16:creationId xmlns:a16="http://schemas.microsoft.com/office/drawing/2014/main" id="{C6541998-0881-8F36-3AE2-B1384D0018F4}"/>
               </a:ext>
             </a:extLst>
           </p:cNvPr>
@@ -4289,15 +5034,15 @@
         </p:nvSpPr>
         <p:spPr>
           <a:xfrm>
-            <a:off x="10968429" y="6048567"/>
-            <a:ext cx="908649" cy="324929"/>
-          </a:xfrm>
-          <a:prstGeom prst="rect">
+            <a:off x="1728214" y="6024114"/>
+            <a:ext cx="1130060" cy="690113"/>
+          </a:xfrm>
+          <a:prstGeom prst="flowChartAlternateProcess">
             <a:avLst/>
           </a:prstGeom>
           <a:ln>
             <a:solidFill>
-              <a:schemeClr val="tx1"/>
+              <a:srgbClr val="0070C0"/>
             </a:solidFill>
           </a:ln>
         </p:spPr>
@@ -4319,634 +5064,51 @@
           <a:bodyPr rtlCol="0" anchor="ctr"/>
           <a:lstStyle/>
           <a:p>
-            <a:pPr algn="ctr"/>
-            <a:r>
-              <a:rPr lang="en-US" altLang="zh-CN" sz="1200" dirty="0"/>
-              <a:t>results</a:t>
-            </a:r>
-            <a:endParaRPr lang="zh-CN" altLang="en-US" sz="1200" dirty="0"/>
-          </a:p>
-        </p:txBody>
-      </p:sp>
-      <p:cxnSp>
-        <p:nvCxnSpPr>
-          <p:cNvPr id="24" name="直接箭头连接符 23">
-            <a:extLst>
-              <a:ext uri="{FF2B5EF4-FFF2-40B4-BE49-F238E27FC236}">
-                <a16:creationId xmlns:a16="http://schemas.microsoft.com/office/drawing/2014/main" id="{6E381ED7-84C9-0D11-EBC9-E250EE73B95E}"/>
-              </a:ext>
-            </a:extLst>
-          </p:cNvPr>
-          <p:cNvCxnSpPr>
-            <a:stCxn id="4" idx="3"/>
-            <a:endCxn id="6" idx="1"/>
-          </p:cNvCxnSpPr>
+            <a:pPr>
+              <a:lnSpc>
+                <a:spcPts val="1425"/>
+              </a:lnSpc>
+            </a:pPr>
+            <a:r>
+              <a:rPr lang="en-US" altLang="zh-CN" sz="1200" b="0" dirty="0">
+                <a:solidFill>
+                  <a:srgbClr val="795E26"/>
+                </a:solidFill>
+                <a:effectLst/>
+                <a:latin typeface="Consolas" panose="020B0609020204030204" pitchFamily="49" charset="0"/>
+              </a:rPr>
+              <a:t>functions</a:t>
+            </a:r>
+            <a:endParaRPr lang="en-US" altLang="zh-CN" sz="1200" b="0" dirty="0">
+              <a:solidFill>
+                <a:srgbClr val="3B3B3B"/>
+              </a:solidFill>
+              <a:effectLst/>
+              <a:latin typeface="Consolas" panose="020B0609020204030204" pitchFamily="49" charset="0"/>
+            </a:endParaRPr>
+          </a:p>
+        </p:txBody>
+      </p:sp>
+      <p:sp>
+        <p:nvSpPr>
+          <p:cNvPr id="117" name="流程图: 数据 116">
+            <a:extLst>
+              <a:ext uri="{FF2B5EF4-FFF2-40B4-BE49-F238E27FC236}">
+                <a16:creationId xmlns:a16="http://schemas.microsoft.com/office/drawing/2014/main" id="{7AA603EE-1C09-EAEB-EC77-8D0E8AFD1BF5}"/>
+              </a:ext>
+            </a:extLst>
+          </p:cNvPr>
+          <p:cNvSpPr/>
           <p:nvPr/>
-        </p:nvCxnSpPr>
-        <p:spPr>
-          <a:xfrm flipV="1">
-            <a:off x="1370166" y="762001"/>
-            <a:ext cx="270985" cy="1026543"/>
-          </a:xfrm>
-          <a:prstGeom prst="straightConnector1">
+        </p:nvSpPr>
+        <p:spPr>
+          <a:xfrm>
+            <a:off x="3142145" y="6162155"/>
+            <a:ext cx="996497" cy="373815"/>
+          </a:xfrm>
+          <a:prstGeom prst="flowChartInputOutput">
             <a:avLst/>
           </a:prstGeom>
-          <a:ln>
-            <a:tailEnd type="triangle"/>
-          </a:ln>
-        </p:spPr>
-        <p:style>
-          <a:lnRef idx="2">
-            <a:schemeClr val="dk1"/>
-          </a:lnRef>
-          <a:fillRef idx="0">
-            <a:schemeClr val="dk1"/>
-          </a:fillRef>
-          <a:effectRef idx="1">
-            <a:schemeClr val="dk1"/>
-          </a:effectRef>
-          <a:fontRef idx="minor">
-            <a:schemeClr val="tx1"/>
-          </a:fontRef>
-        </p:style>
-      </p:cxnSp>
-      <p:cxnSp>
-        <p:nvCxnSpPr>
-          <p:cNvPr id="25" name="直接箭头连接符 24">
-            <a:extLst>
-              <a:ext uri="{FF2B5EF4-FFF2-40B4-BE49-F238E27FC236}">
-                <a16:creationId xmlns:a16="http://schemas.microsoft.com/office/drawing/2014/main" id="{746F9F38-1093-57E3-AC4C-222F653AE35D}"/>
-              </a:ext>
-            </a:extLst>
-          </p:cNvPr>
-          <p:cNvCxnSpPr>
-            <a:cxnSpLocks/>
-            <a:stCxn id="6" idx="3"/>
-            <a:endCxn id="7" idx="1"/>
-          </p:cNvCxnSpPr>
-          <p:nvPr/>
-        </p:nvCxnSpPr>
-        <p:spPr>
-          <a:xfrm flipV="1">
-            <a:off x="3142145" y="759121"/>
-            <a:ext cx="227353" cy="2880"/>
-          </a:xfrm>
-          <a:prstGeom prst="straightConnector1">
-            <a:avLst/>
-          </a:prstGeom>
-          <a:ln>
-            <a:tailEnd type="triangle"/>
-          </a:ln>
-        </p:spPr>
-        <p:style>
-          <a:lnRef idx="2">
-            <a:schemeClr val="dk1"/>
-          </a:lnRef>
-          <a:fillRef idx="0">
-            <a:schemeClr val="dk1"/>
-          </a:fillRef>
-          <a:effectRef idx="1">
-            <a:schemeClr val="dk1"/>
-          </a:effectRef>
-          <a:fontRef idx="minor">
-            <a:schemeClr val="tx1"/>
-          </a:fontRef>
-        </p:style>
-      </p:cxnSp>
-      <p:cxnSp>
-        <p:nvCxnSpPr>
-          <p:cNvPr id="28" name="直接箭头连接符 27">
-            <a:extLst>
-              <a:ext uri="{FF2B5EF4-FFF2-40B4-BE49-F238E27FC236}">
-                <a16:creationId xmlns:a16="http://schemas.microsoft.com/office/drawing/2014/main" id="{0C8C545C-29D7-6C91-61F4-16A51B8CB86F}"/>
-              </a:ext>
-            </a:extLst>
-          </p:cNvPr>
-          <p:cNvCxnSpPr>
-            <a:cxnSpLocks/>
-            <a:stCxn id="5" idx="3"/>
-            <a:endCxn id="10" idx="1"/>
-          </p:cNvCxnSpPr>
-          <p:nvPr/>
-        </p:nvCxnSpPr>
-        <p:spPr>
-          <a:xfrm>
-            <a:off x="1765601" y="4132026"/>
-            <a:ext cx="527643" cy="2191"/>
-          </a:xfrm>
-          <a:prstGeom prst="straightConnector1">
-            <a:avLst/>
-          </a:prstGeom>
-          <a:ln>
-            <a:tailEnd type="triangle"/>
-          </a:ln>
-        </p:spPr>
-        <p:style>
-          <a:lnRef idx="2">
-            <a:schemeClr val="dk1"/>
-          </a:lnRef>
-          <a:fillRef idx="0">
-            <a:schemeClr val="dk1"/>
-          </a:fillRef>
-          <a:effectRef idx="1">
-            <a:schemeClr val="dk1"/>
-          </a:effectRef>
-          <a:fontRef idx="minor">
-            <a:schemeClr val="tx1"/>
-          </a:fontRef>
-        </p:style>
-      </p:cxnSp>
-      <p:cxnSp>
-        <p:nvCxnSpPr>
-          <p:cNvPr id="34" name="直接箭头连接符 33">
-            <a:extLst>
-              <a:ext uri="{FF2B5EF4-FFF2-40B4-BE49-F238E27FC236}">
-                <a16:creationId xmlns:a16="http://schemas.microsoft.com/office/drawing/2014/main" id="{6F7C0D68-3EA9-8A12-93B7-DED34BE42A6E}"/>
-              </a:ext>
-            </a:extLst>
-          </p:cNvPr>
-          <p:cNvCxnSpPr>
-            <a:stCxn id="10" idx="3"/>
-            <a:endCxn id="17" idx="1"/>
-          </p:cNvCxnSpPr>
-          <p:nvPr/>
-        </p:nvCxnSpPr>
-        <p:spPr>
-          <a:xfrm>
-            <a:off x="3423304" y="4134217"/>
-            <a:ext cx="3365682" cy="79758"/>
-          </a:xfrm>
-          <a:prstGeom prst="straightConnector1">
-            <a:avLst/>
-          </a:prstGeom>
-          <a:ln>
-            <a:tailEnd type="triangle"/>
-          </a:ln>
-        </p:spPr>
-        <p:style>
-          <a:lnRef idx="2">
-            <a:schemeClr val="dk1"/>
-          </a:lnRef>
-          <a:fillRef idx="0">
-            <a:schemeClr val="dk1"/>
-          </a:fillRef>
-          <a:effectRef idx="1">
-            <a:schemeClr val="dk1"/>
-          </a:effectRef>
-          <a:fontRef idx="minor">
-            <a:schemeClr val="tx1"/>
-          </a:fontRef>
-        </p:style>
-      </p:cxnSp>
-      <p:cxnSp>
-        <p:nvCxnSpPr>
-          <p:cNvPr id="39" name="直接箭头连接符 38">
-            <a:extLst>
-              <a:ext uri="{FF2B5EF4-FFF2-40B4-BE49-F238E27FC236}">
-                <a16:creationId xmlns:a16="http://schemas.microsoft.com/office/drawing/2014/main" id="{692AAA92-DB30-12CE-AFB9-EB0B0F99E87A}"/>
-              </a:ext>
-            </a:extLst>
-          </p:cNvPr>
-          <p:cNvCxnSpPr>
-            <a:stCxn id="16" idx="3"/>
-            <a:endCxn id="17" idx="1"/>
-          </p:cNvCxnSpPr>
-          <p:nvPr/>
-        </p:nvCxnSpPr>
-        <p:spPr>
-          <a:xfrm>
-            <a:off x="6183754" y="3318276"/>
-            <a:ext cx="605232" cy="895699"/>
-          </a:xfrm>
-          <a:prstGeom prst="straightConnector1">
-            <a:avLst/>
-          </a:prstGeom>
-          <a:ln>
-            <a:tailEnd type="triangle"/>
-          </a:ln>
-        </p:spPr>
-        <p:style>
-          <a:lnRef idx="2">
-            <a:schemeClr val="dk1"/>
-          </a:lnRef>
-          <a:fillRef idx="0">
-            <a:schemeClr val="dk1"/>
-          </a:fillRef>
-          <a:effectRef idx="1">
-            <a:schemeClr val="dk1"/>
-          </a:effectRef>
-          <a:fontRef idx="minor">
-            <a:schemeClr val="tx1"/>
-          </a:fontRef>
-        </p:style>
-      </p:cxnSp>
-      <p:cxnSp>
-        <p:nvCxnSpPr>
-          <p:cNvPr id="43" name="直接箭头连接符 42">
-            <a:extLst>
-              <a:ext uri="{FF2B5EF4-FFF2-40B4-BE49-F238E27FC236}">
-                <a16:creationId xmlns:a16="http://schemas.microsoft.com/office/drawing/2014/main" id="{4F84265E-4D39-1764-1F02-2E5C75D87B1C}"/>
-              </a:ext>
-            </a:extLst>
-          </p:cNvPr>
-          <p:cNvCxnSpPr>
-            <a:cxnSpLocks/>
-            <a:stCxn id="16" idx="3"/>
-            <a:endCxn id="20" idx="2"/>
-          </p:cNvCxnSpPr>
-          <p:nvPr/>
-        </p:nvCxnSpPr>
-        <p:spPr>
-          <a:xfrm>
-            <a:off x="6183754" y="3318276"/>
-            <a:ext cx="2311106" cy="0"/>
-          </a:xfrm>
-          <a:prstGeom prst="straightConnector1">
-            <a:avLst/>
-          </a:prstGeom>
-          <a:ln>
-            <a:tailEnd type="triangle"/>
-          </a:ln>
-        </p:spPr>
-        <p:style>
-          <a:lnRef idx="2">
-            <a:schemeClr val="dk1"/>
-          </a:lnRef>
-          <a:fillRef idx="0">
-            <a:schemeClr val="dk1"/>
-          </a:fillRef>
-          <a:effectRef idx="1">
-            <a:schemeClr val="dk1"/>
-          </a:effectRef>
-          <a:fontRef idx="minor">
-            <a:schemeClr val="tx1"/>
-          </a:fontRef>
-        </p:style>
-      </p:cxnSp>
-      <p:cxnSp>
-        <p:nvCxnSpPr>
-          <p:cNvPr id="51" name="直接箭头连接符 50">
-            <a:extLst>
-              <a:ext uri="{FF2B5EF4-FFF2-40B4-BE49-F238E27FC236}">
-                <a16:creationId xmlns:a16="http://schemas.microsoft.com/office/drawing/2014/main" id="{728CBC93-1DC5-A525-5724-3656FEB08759}"/>
-              </a:ext>
-            </a:extLst>
-          </p:cNvPr>
-          <p:cNvCxnSpPr>
-            <a:stCxn id="4" idx="3"/>
-            <a:endCxn id="11" idx="1"/>
-          </p:cNvCxnSpPr>
-          <p:nvPr/>
-        </p:nvCxnSpPr>
-        <p:spPr>
-          <a:xfrm>
-            <a:off x="1370166" y="1788544"/>
-            <a:ext cx="679994" cy="820941"/>
-          </a:xfrm>
-          <a:prstGeom prst="straightConnector1">
-            <a:avLst/>
-          </a:prstGeom>
-          <a:ln>
-            <a:tailEnd type="triangle"/>
-          </a:ln>
-        </p:spPr>
-        <p:style>
-          <a:lnRef idx="2">
-            <a:schemeClr val="dk1"/>
-          </a:lnRef>
-          <a:fillRef idx="0">
-            <a:schemeClr val="dk1"/>
-          </a:fillRef>
-          <a:effectRef idx="1">
-            <a:schemeClr val="dk1"/>
-          </a:effectRef>
-          <a:fontRef idx="minor">
-            <a:schemeClr val="tx1"/>
-          </a:fontRef>
-        </p:style>
-      </p:cxnSp>
-      <p:cxnSp>
-        <p:nvCxnSpPr>
-          <p:cNvPr id="56" name="直接箭头连接符 55">
-            <a:extLst>
-              <a:ext uri="{FF2B5EF4-FFF2-40B4-BE49-F238E27FC236}">
-                <a16:creationId xmlns:a16="http://schemas.microsoft.com/office/drawing/2014/main" id="{024C741B-0DB7-F075-469D-2EA2298D76A4}"/>
-              </a:ext>
-            </a:extLst>
-          </p:cNvPr>
-          <p:cNvCxnSpPr>
-            <a:cxnSpLocks/>
-            <a:stCxn id="11" idx="3"/>
-            <a:endCxn id="118" idx="1"/>
-          </p:cNvCxnSpPr>
-          <p:nvPr/>
-        </p:nvCxnSpPr>
-        <p:spPr>
-          <a:xfrm>
-            <a:off x="4563317" y="2609485"/>
-            <a:ext cx="343732" cy="7902"/>
-          </a:xfrm>
-          <a:prstGeom prst="straightConnector1">
-            <a:avLst/>
-          </a:prstGeom>
-          <a:ln>
-            <a:tailEnd type="triangle"/>
-          </a:ln>
-        </p:spPr>
-        <p:style>
-          <a:lnRef idx="2">
-            <a:schemeClr val="dk1"/>
-          </a:lnRef>
-          <a:fillRef idx="0">
-            <a:schemeClr val="dk1"/>
-          </a:fillRef>
-          <a:effectRef idx="1">
-            <a:schemeClr val="dk1"/>
-          </a:effectRef>
-          <a:fontRef idx="minor">
-            <a:schemeClr val="tx1"/>
-          </a:fontRef>
-        </p:style>
-      </p:cxnSp>
-      <p:cxnSp>
-        <p:nvCxnSpPr>
-          <p:cNvPr id="60" name="直接箭头连接符 59">
-            <a:extLst>
-              <a:ext uri="{FF2B5EF4-FFF2-40B4-BE49-F238E27FC236}">
-                <a16:creationId xmlns:a16="http://schemas.microsoft.com/office/drawing/2014/main" id="{2A95952E-C75C-951B-BB98-807B8DFE28B9}"/>
-              </a:ext>
-            </a:extLst>
-          </p:cNvPr>
-          <p:cNvCxnSpPr>
-            <a:cxnSpLocks/>
-            <a:stCxn id="118" idx="3"/>
-            <a:endCxn id="18" idx="1"/>
-          </p:cNvCxnSpPr>
-          <p:nvPr/>
-        </p:nvCxnSpPr>
-        <p:spPr>
-          <a:xfrm flipV="1">
-            <a:off x="5698198" y="2214103"/>
-            <a:ext cx="371923" cy="403284"/>
-          </a:xfrm>
-          <a:prstGeom prst="straightConnector1">
-            <a:avLst/>
-          </a:prstGeom>
-          <a:ln>
-            <a:tailEnd type="triangle"/>
-          </a:ln>
-        </p:spPr>
-        <p:style>
-          <a:lnRef idx="2">
-            <a:schemeClr val="dk1"/>
-          </a:lnRef>
-          <a:fillRef idx="0">
-            <a:schemeClr val="dk1"/>
-          </a:fillRef>
-          <a:effectRef idx="1">
-            <a:schemeClr val="dk1"/>
-          </a:effectRef>
-          <a:fontRef idx="minor">
-            <a:schemeClr val="tx1"/>
-          </a:fontRef>
-        </p:style>
-      </p:cxnSp>
-      <p:cxnSp>
-        <p:nvCxnSpPr>
-          <p:cNvPr id="66" name="直接箭头连接符 65">
-            <a:extLst>
-              <a:ext uri="{FF2B5EF4-FFF2-40B4-BE49-F238E27FC236}">
-                <a16:creationId xmlns:a16="http://schemas.microsoft.com/office/drawing/2014/main" id="{DF69D53B-42C5-2439-4E8E-DD22BD554F3E}"/>
-              </a:ext>
-            </a:extLst>
-          </p:cNvPr>
-          <p:cNvCxnSpPr>
-            <a:stCxn id="18" idx="3"/>
-            <a:endCxn id="19" idx="2"/>
-          </p:cNvCxnSpPr>
-          <p:nvPr/>
-        </p:nvCxnSpPr>
-        <p:spPr>
-          <a:xfrm flipV="1">
-            <a:off x="7507852" y="1761238"/>
-            <a:ext cx="428109" cy="452865"/>
-          </a:xfrm>
-          <a:prstGeom prst="straightConnector1">
-            <a:avLst/>
-          </a:prstGeom>
-          <a:ln>
-            <a:tailEnd type="triangle"/>
-          </a:ln>
-        </p:spPr>
-        <p:style>
-          <a:lnRef idx="2">
-            <a:schemeClr val="dk1"/>
-          </a:lnRef>
-          <a:fillRef idx="0">
-            <a:schemeClr val="dk1"/>
-          </a:fillRef>
-          <a:effectRef idx="1">
-            <a:schemeClr val="dk1"/>
-          </a:effectRef>
-          <a:fontRef idx="minor">
-            <a:schemeClr val="tx1"/>
-          </a:fontRef>
-        </p:style>
-      </p:cxnSp>
-      <p:cxnSp>
-        <p:nvCxnSpPr>
-          <p:cNvPr id="68" name="直接箭头连接符 67">
-            <a:extLst>
-              <a:ext uri="{FF2B5EF4-FFF2-40B4-BE49-F238E27FC236}">
-                <a16:creationId xmlns:a16="http://schemas.microsoft.com/office/drawing/2014/main" id="{F23477A3-C801-4F3A-EE6D-230873B78CCC}"/>
-              </a:ext>
-            </a:extLst>
-          </p:cNvPr>
-          <p:cNvCxnSpPr>
-            <a:stCxn id="21" idx="2"/>
-            <a:endCxn id="22" idx="0"/>
-          </p:cNvCxnSpPr>
-          <p:nvPr/>
-        </p:nvCxnSpPr>
-        <p:spPr>
-          <a:xfrm>
-            <a:off x="11422754" y="5700637"/>
-            <a:ext cx="0" cy="347930"/>
-          </a:xfrm>
-          <a:prstGeom prst="straightConnector1">
-            <a:avLst/>
-          </a:prstGeom>
-          <a:ln>
-            <a:tailEnd type="triangle"/>
-          </a:ln>
-        </p:spPr>
-        <p:style>
-          <a:lnRef idx="2">
-            <a:schemeClr val="dk1"/>
-          </a:lnRef>
-          <a:fillRef idx="0">
-            <a:schemeClr val="dk1"/>
-          </a:fillRef>
-          <a:effectRef idx="1">
-            <a:schemeClr val="dk1"/>
-          </a:effectRef>
-          <a:fontRef idx="minor">
-            <a:schemeClr val="tx1"/>
-          </a:fontRef>
-        </p:style>
-      </p:cxnSp>
-      <p:cxnSp>
-        <p:nvCxnSpPr>
-          <p:cNvPr id="71" name="直接箭头连接符 70">
-            <a:extLst>
-              <a:ext uri="{FF2B5EF4-FFF2-40B4-BE49-F238E27FC236}">
-                <a16:creationId xmlns:a16="http://schemas.microsoft.com/office/drawing/2014/main" id="{BDA6D523-FBCF-7463-4D07-0978BBC4D766}"/>
-              </a:ext>
-            </a:extLst>
-          </p:cNvPr>
-          <p:cNvCxnSpPr>
-            <a:cxnSpLocks/>
-            <a:stCxn id="14" idx="3"/>
-            <a:endCxn id="15" idx="1"/>
-          </p:cNvCxnSpPr>
-          <p:nvPr/>
-        </p:nvCxnSpPr>
-        <p:spPr>
-          <a:xfrm>
-            <a:off x="9302144" y="760558"/>
-            <a:ext cx="263111" cy="11499"/>
-          </a:xfrm>
-          <a:prstGeom prst="straightConnector1">
-            <a:avLst/>
-          </a:prstGeom>
-          <a:ln>
-            <a:tailEnd type="triangle"/>
-          </a:ln>
-        </p:spPr>
-        <p:style>
-          <a:lnRef idx="2">
-            <a:schemeClr val="dk1"/>
-          </a:lnRef>
-          <a:fillRef idx="0">
-            <a:schemeClr val="dk1"/>
-          </a:fillRef>
-          <a:effectRef idx="1">
-            <a:schemeClr val="dk1"/>
-          </a:effectRef>
-          <a:fontRef idx="minor">
-            <a:schemeClr val="tx1"/>
-          </a:fontRef>
-        </p:style>
-      </p:cxnSp>
-      <p:cxnSp>
-        <p:nvCxnSpPr>
-          <p:cNvPr id="76" name="直接箭头连接符 75">
-            <a:extLst>
-              <a:ext uri="{FF2B5EF4-FFF2-40B4-BE49-F238E27FC236}">
-                <a16:creationId xmlns:a16="http://schemas.microsoft.com/office/drawing/2014/main" id="{60221087-A461-01D4-A30D-A4D06ED34928}"/>
-              </a:ext>
-            </a:extLst>
-          </p:cNvPr>
-          <p:cNvCxnSpPr>
-            <a:stCxn id="7" idx="3"/>
-            <a:endCxn id="14" idx="1"/>
-          </p:cNvCxnSpPr>
-          <p:nvPr/>
-        </p:nvCxnSpPr>
-        <p:spPr>
-          <a:xfrm>
-            <a:off x="6526761" y="759121"/>
-            <a:ext cx="262226" cy="1437"/>
-          </a:xfrm>
-          <a:prstGeom prst="straightConnector1">
-            <a:avLst/>
-          </a:prstGeom>
-          <a:ln>
-            <a:tailEnd type="triangle"/>
-          </a:ln>
-        </p:spPr>
-        <p:style>
-          <a:lnRef idx="2">
-            <a:schemeClr val="dk1"/>
-          </a:lnRef>
-          <a:fillRef idx="0">
-            <a:schemeClr val="dk1"/>
-          </a:fillRef>
-          <a:effectRef idx="1">
-            <a:schemeClr val="dk1"/>
-          </a:effectRef>
-          <a:fontRef idx="minor">
-            <a:schemeClr val="tx1"/>
-          </a:fontRef>
-        </p:style>
-      </p:cxnSp>
-      <p:cxnSp>
-        <p:nvCxnSpPr>
-          <p:cNvPr id="92" name="直接箭头连接符 91">
-            <a:extLst>
-              <a:ext uri="{FF2B5EF4-FFF2-40B4-BE49-F238E27FC236}">
-                <a16:creationId xmlns:a16="http://schemas.microsoft.com/office/drawing/2014/main" id="{8749BA0A-0D57-5D3B-2A3E-BACB15EF1BE6}"/>
-              </a:ext>
-            </a:extLst>
-          </p:cNvPr>
-          <p:cNvCxnSpPr>
-            <a:stCxn id="4" idx="3"/>
-            <a:endCxn id="12" idx="1"/>
-          </p:cNvCxnSpPr>
-          <p:nvPr/>
-        </p:nvCxnSpPr>
-        <p:spPr>
-          <a:xfrm>
-            <a:off x="1370166" y="1788544"/>
-            <a:ext cx="1074277" cy="2875"/>
-          </a:xfrm>
-          <a:prstGeom prst="straightConnector1">
-            <a:avLst/>
-          </a:prstGeom>
-          <a:ln>
-            <a:tailEnd type="triangle"/>
-          </a:ln>
-        </p:spPr>
-        <p:style>
-          <a:lnRef idx="2">
-            <a:schemeClr val="dk1"/>
-          </a:lnRef>
-          <a:fillRef idx="0">
-            <a:schemeClr val="dk1"/>
-          </a:fillRef>
-          <a:effectRef idx="1">
-            <a:schemeClr val="dk1"/>
-          </a:effectRef>
-          <a:fontRef idx="minor">
-            <a:schemeClr val="tx1"/>
-          </a:fontRef>
-        </p:style>
-      </p:cxnSp>
-      <p:sp>
-        <p:nvSpPr>
-          <p:cNvPr id="115" name="矩形 114">
-            <a:extLst>
-              <a:ext uri="{FF2B5EF4-FFF2-40B4-BE49-F238E27FC236}">
-                <a16:creationId xmlns:a16="http://schemas.microsoft.com/office/drawing/2014/main" id="{44FE2EED-72FE-CE08-0470-7DE3C060D6F2}"/>
-              </a:ext>
-            </a:extLst>
-          </p:cNvPr>
-          <p:cNvSpPr/>
-          <p:nvPr/>
-        </p:nvSpPr>
-        <p:spPr>
-          <a:xfrm>
-            <a:off x="241601" y="6190897"/>
-            <a:ext cx="1128565" cy="365198"/>
-          </a:xfrm>
-          <a:prstGeom prst="rect">
-            <a:avLst/>
-          </a:prstGeom>
-          <a:ln>
-            <a:solidFill>
-              <a:schemeClr val="tx1"/>
-            </a:solidFill>
-          </a:ln>
         </p:spPr>
         <p:style>
           <a:lnRef idx="2">
@@ -4969,7 +5131,7 @@
             <a:pPr algn="ctr"/>
             <a:r>
               <a:rPr lang="en-US" altLang="zh-CN" sz="1200" dirty="0"/>
-              <a:t>Input/output files</a:t>
+              <a:t>plots</a:t>
             </a:r>
             <a:endParaRPr lang="zh-CN" altLang="en-US" sz="1200" dirty="0"/>
           </a:p>
@@ -4977,10 +5139,10 @@
       </p:sp>
       <p:sp>
         <p:nvSpPr>
-          <p:cNvPr id="116" name="流程图: 可选过程 115">
-            <a:extLst>
-              <a:ext uri="{FF2B5EF4-FFF2-40B4-BE49-F238E27FC236}">
-                <a16:creationId xmlns:a16="http://schemas.microsoft.com/office/drawing/2014/main" id="{C6541998-0881-8F36-3AE2-B1384D0018F4}"/>
+          <p:cNvPr id="118" name="矩形 117">
+            <a:extLst>
+              <a:ext uri="{FF2B5EF4-FFF2-40B4-BE49-F238E27FC236}">
+                <a16:creationId xmlns:a16="http://schemas.microsoft.com/office/drawing/2014/main" id="{B4B36BA9-55A6-CB58-5B39-8E65557440E3}"/>
               </a:ext>
             </a:extLst>
           </p:cNvPr>
@@ -4989,15 +5151,15 @@
         </p:nvSpPr>
         <p:spPr>
           <a:xfrm>
-            <a:off x="1728214" y="6024114"/>
-            <a:ext cx="1130060" cy="690113"/>
-          </a:xfrm>
-          <a:prstGeom prst="flowChartAlternateProcess">
+            <a:off x="4995566" y="2833075"/>
+            <a:ext cx="791149" cy="395383"/>
+          </a:xfrm>
+          <a:prstGeom prst="rect">
             <a:avLst/>
           </a:prstGeom>
           <a:ln>
             <a:solidFill>
-              <a:srgbClr val="0070C0"/>
+              <a:schemeClr val="tx1"/>
             </a:solidFill>
           </a:ln>
         </p:spPr>
@@ -5019,37 +5181,21 @@
           <a:bodyPr rtlCol="0" anchor="ctr"/>
           <a:lstStyle/>
           <a:p>
-            <a:pPr>
-              <a:lnSpc>
-                <a:spcPts val="1425"/>
-              </a:lnSpc>
-            </a:pPr>
-            <a:r>
-              <a:rPr lang="en-US" altLang="zh-CN" sz="1200" b="0" dirty="0">
-                <a:solidFill>
-                  <a:srgbClr val="795E26"/>
-                </a:solidFill>
-                <a:effectLst/>
-                <a:latin typeface="Consolas" panose="020B0609020204030204" pitchFamily="49" charset="0"/>
-              </a:rPr>
-              <a:t>functions</a:t>
-            </a:r>
-            <a:endParaRPr lang="en-US" altLang="zh-CN" sz="1200" b="0" dirty="0">
-              <a:solidFill>
-                <a:srgbClr val="3B3B3B"/>
-              </a:solidFill>
-              <a:effectLst/>
-              <a:latin typeface="Consolas" panose="020B0609020204030204" pitchFamily="49" charset="0"/>
-            </a:endParaRPr>
-          </a:p>
-        </p:txBody>
-      </p:sp>
-      <p:sp>
-        <p:nvSpPr>
-          <p:cNvPr id="117" name="流程图: 数据 116">
-            <a:extLst>
-              <a:ext uri="{FF2B5EF4-FFF2-40B4-BE49-F238E27FC236}">
-                <a16:creationId xmlns:a16="http://schemas.microsoft.com/office/drawing/2014/main" id="{7AA603EE-1C09-EAEB-EC77-8D0E8AFD1BF5}"/>
+            <a:pPr algn="ctr"/>
+            <a:r>
+              <a:rPr lang="en-US" altLang="zh-CN" sz="1200" dirty="0"/>
+              <a:t>CSV</a:t>
+            </a:r>
+            <a:endParaRPr lang="zh-CN" altLang="en-US" sz="1200" dirty="0"/>
+          </a:p>
+        </p:txBody>
+      </p:sp>
+      <p:sp>
+        <p:nvSpPr>
+          <p:cNvPr id="131" name="流程图: 资料带 130">
+            <a:extLst>
+              <a:ext uri="{FF2B5EF4-FFF2-40B4-BE49-F238E27FC236}">
+                <a16:creationId xmlns:a16="http://schemas.microsoft.com/office/drawing/2014/main" id="{10D592F4-702B-82B8-CBCB-757A27607FC7}"/>
               </a:ext>
             </a:extLst>
           </p:cNvPr>
@@ -5058,12 +5204,20 @@
         </p:nvSpPr>
         <p:spPr>
           <a:xfrm>
-            <a:off x="3142145" y="6162155"/>
-            <a:ext cx="996497" cy="373815"/>
-          </a:xfrm>
-          <a:prstGeom prst="flowChartInputOutput">
+            <a:off x="4640644" y="6009738"/>
+            <a:ext cx="1500994" cy="598099"/>
+          </a:xfrm>
+          <a:prstGeom prst="flowChartPunchedTape">
             <a:avLst/>
           </a:prstGeom>
+          <a:solidFill>
+            <a:srgbClr val="FFC000"/>
+          </a:solidFill>
+          <a:ln>
+            <a:solidFill>
+              <a:schemeClr val="tx1"/>
+            </a:solidFill>
+          </a:ln>
         </p:spPr>
         <p:style>
           <a:lnRef idx="2">
@@ -5086,18 +5240,61 @@
             <a:pPr algn="ctr"/>
             <a:r>
               <a:rPr lang="en-US" altLang="zh-CN" sz="1200" dirty="0"/>
-              <a:t>plots</a:t>
+              <a:t>classes</a:t>
             </a:r>
             <a:endParaRPr lang="zh-CN" altLang="en-US" sz="1200" dirty="0"/>
           </a:p>
         </p:txBody>
       </p:sp>
-      <p:sp>
-        <p:nvSpPr>
-          <p:cNvPr id="118" name="矩形 117">
-            <a:extLst>
-              <a:ext uri="{FF2B5EF4-FFF2-40B4-BE49-F238E27FC236}">
-                <a16:creationId xmlns:a16="http://schemas.microsoft.com/office/drawing/2014/main" id="{B4B36BA9-55A6-CB58-5B39-8E65557440E3}"/>
+      <p:cxnSp>
+        <p:nvCxnSpPr>
+          <p:cNvPr id="135" name="直接箭头连接符 134">
+            <a:extLst>
+              <a:ext uri="{FF2B5EF4-FFF2-40B4-BE49-F238E27FC236}">
+                <a16:creationId xmlns:a16="http://schemas.microsoft.com/office/drawing/2014/main" id="{32539989-087B-17E0-CE1D-6E52FDF062A2}"/>
+              </a:ext>
+            </a:extLst>
+          </p:cNvPr>
+          <p:cNvCxnSpPr>
+            <a:cxnSpLocks/>
+            <a:stCxn id="11" idx="3"/>
+            <a:endCxn id="16" idx="1"/>
+          </p:cNvCxnSpPr>
+          <p:nvPr/>
+        </p:nvCxnSpPr>
+        <p:spPr>
+          <a:xfrm>
+            <a:off x="4538268" y="3050169"/>
+            <a:ext cx="328575" cy="747805"/>
+          </a:xfrm>
+          <a:prstGeom prst="straightConnector1">
+            <a:avLst/>
+          </a:prstGeom>
+          <a:ln>
+            <a:tailEnd type="triangle"/>
+          </a:ln>
+        </p:spPr>
+        <p:style>
+          <a:lnRef idx="2">
+            <a:schemeClr val="dk1"/>
+          </a:lnRef>
+          <a:fillRef idx="0">
+            <a:schemeClr val="dk1"/>
+          </a:fillRef>
+          <a:effectRef idx="1">
+            <a:schemeClr val="dk1"/>
+          </a:effectRef>
+          <a:fontRef idx="minor">
+            <a:schemeClr val="tx1"/>
+          </a:fontRef>
+        </p:style>
+      </p:cxnSp>
+      <p:sp>
+        <p:nvSpPr>
+          <p:cNvPr id="13" name="流程图: 可选过程 12">
+            <a:extLst>
+              <a:ext uri="{FF2B5EF4-FFF2-40B4-BE49-F238E27FC236}">
+                <a16:creationId xmlns:a16="http://schemas.microsoft.com/office/drawing/2014/main" id="{95524385-981C-FBFF-206C-11C44423498B}"/>
               </a:ext>
             </a:extLst>
           </p:cNvPr>
@@ -5106,15 +5303,15 @@
         </p:nvSpPr>
         <p:spPr>
           <a:xfrm>
-            <a:off x="4907049" y="2419695"/>
-            <a:ext cx="791149" cy="395383"/>
-          </a:xfrm>
-          <a:prstGeom prst="rect">
+            <a:off x="1710164" y="241512"/>
+            <a:ext cx="1431982" cy="406184"/>
+          </a:xfrm>
+          <a:prstGeom prst="flowChartAlternateProcess">
             <a:avLst/>
           </a:prstGeom>
           <a:ln>
             <a:solidFill>
-              <a:schemeClr val="tx1"/>
+              <a:srgbClr val="0070C0"/>
             </a:solidFill>
           </a:ln>
         </p:spPr>
@@ -5136,21 +5333,88 @@
           <a:bodyPr rtlCol="0" anchor="ctr"/>
           <a:lstStyle/>
           <a:p>
-            <a:pPr algn="ctr"/>
-            <a:r>
-              <a:rPr lang="en-US" altLang="zh-CN" sz="1200" dirty="0"/>
-              <a:t>CSV</a:t>
-            </a:r>
-            <a:endParaRPr lang="zh-CN" altLang="en-US" sz="1200" dirty="0"/>
-          </a:p>
-        </p:txBody>
-      </p:sp>
-      <p:sp>
-        <p:nvSpPr>
-          <p:cNvPr id="131" name="流程图: 资料带 130">
-            <a:extLst>
-              <a:ext uri="{FF2B5EF4-FFF2-40B4-BE49-F238E27FC236}">
-                <a16:creationId xmlns:a16="http://schemas.microsoft.com/office/drawing/2014/main" id="{10D592F4-702B-82B8-CBCB-757A27607FC7}"/>
+            <a:pPr>
+              <a:lnSpc>
+                <a:spcPts val="1425"/>
+              </a:lnSpc>
+            </a:pPr>
+            <a:r>
+              <a:rPr lang="en-US" altLang="zh-CN" sz="1200" dirty="0" err="1">
+                <a:solidFill>
+                  <a:srgbClr val="795E26"/>
+                </a:solidFill>
+                <a:latin typeface="Consolas" panose="020B0609020204030204" pitchFamily="49" charset="0"/>
+              </a:rPr>
+              <a:t>o</a:t>
+            </a:r>
+            <a:r>
+              <a:rPr lang="en-US" altLang="zh-CN" sz="1200" b="0" dirty="0" err="1">
+                <a:solidFill>
+                  <a:srgbClr val="795E26"/>
+                </a:solidFill>
+                <a:effectLst/>
+                <a:latin typeface="Consolas" panose="020B0609020204030204" pitchFamily="49" charset="0"/>
+              </a:rPr>
+              <a:t>pen_nc_files</a:t>
+            </a:r>
+            <a:endParaRPr lang="en-US" altLang="zh-CN" sz="1200" b="0" dirty="0">
+              <a:solidFill>
+                <a:srgbClr val="3B3B3B"/>
+              </a:solidFill>
+              <a:effectLst/>
+              <a:latin typeface="Consolas" panose="020B0609020204030204" pitchFamily="49" charset="0"/>
+            </a:endParaRPr>
+          </a:p>
+        </p:txBody>
+      </p:sp>
+      <p:cxnSp>
+        <p:nvCxnSpPr>
+          <p:cNvPr id="26" name="直接箭头连接符 25">
+            <a:extLst>
+              <a:ext uri="{FF2B5EF4-FFF2-40B4-BE49-F238E27FC236}">
+                <a16:creationId xmlns:a16="http://schemas.microsoft.com/office/drawing/2014/main" id="{83450BBE-32FA-A7D2-6E6E-EBCC40C6DF65}"/>
+              </a:ext>
+            </a:extLst>
+          </p:cNvPr>
+          <p:cNvCxnSpPr>
+            <a:stCxn id="4" idx="3"/>
+            <a:endCxn id="13" idx="1"/>
+          </p:cNvCxnSpPr>
+          <p:nvPr/>
+        </p:nvCxnSpPr>
+        <p:spPr>
+          <a:xfrm flipV="1">
+            <a:off x="1370166" y="444604"/>
+            <a:ext cx="339998" cy="1343940"/>
+          </a:xfrm>
+          <a:prstGeom prst="straightConnector1">
+            <a:avLst/>
+          </a:prstGeom>
+          <a:ln>
+            <a:tailEnd type="triangle"/>
+          </a:ln>
+        </p:spPr>
+        <p:style>
+          <a:lnRef idx="2">
+            <a:schemeClr val="dk1"/>
+          </a:lnRef>
+          <a:fillRef idx="0">
+            <a:schemeClr val="dk1"/>
+          </a:fillRef>
+          <a:effectRef idx="1">
+            <a:schemeClr val="dk1"/>
+          </a:effectRef>
+          <a:fontRef idx="minor">
+            <a:schemeClr val="tx1"/>
+          </a:fontRef>
+        </p:style>
+      </p:cxnSp>
+      <p:sp>
+        <p:nvSpPr>
+          <p:cNvPr id="42" name="流程图: 可选过程 41">
+            <a:extLst>
+              <a:ext uri="{FF2B5EF4-FFF2-40B4-BE49-F238E27FC236}">
+                <a16:creationId xmlns:a16="http://schemas.microsoft.com/office/drawing/2014/main" id="{37D59320-0215-3DEC-BA93-17D3F79C27F6}"/>
               </a:ext>
             </a:extLst>
           </p:cNvPr>
@@ -5159,18 +5423,15 @@
         </p:nvSpPr>
         <p:spPr>
           <a:xfrm>
-            <a:off x="4640644" y="6009738"/>
-            <a:ext cx="1500994" cy="598099"/>
-          </a:xfrm>
-          <a:prstGeom prst="flowChartPunchedTape">
+            <a:off x="8518587" y="4887557"/>
+            <a:ext cx="1013639" cy="429869"/>
+          </a:xfrm>
+          <a:prstGeom prst="flowChartAlternateProcess">
             <a:avLst/>
           </a:prstGeom>
-          <a:solidFill>
-            <a:srgbClr val="FFC000"/>
-          </a:solidFill>
           <a:ln>
             <a:solidFill>
-              <a:schemeClr val="tx1"/>
+              <a:srgbClr val="0070C0"/>
             </a:solidFill>
           </a:ln>
         </p:spPr>
@@ -5192,10 +5453,101 @@
           <a:bodyPr rtlCol="0" anchor="ctr"/>
           <a:lstStyle/>
           <a:p>
+            <a:pPr>
+              <a:lnSpc>
+                <a:spcPts val="1425"/>
+              </a:lnSpc>
+            </a:pPr>
+            <a:r>
+              <a:rPr lang="en-US" altLang="zh-CN" sz="1200" b="0" dirty="0" err="1">
+                <a:solidFill>
+                  <a:srgbClr val="795E26"/>
+                </a:solidFill>
+                <a:effectLst/>
+                <a:latin typeface="Consolas" panose="020B0609020204030204" pitchFamily="49" charset="0"/>
+              </a:rPr>
+              <a:t>Aep</a:t>
+            </a:r>
+            <a:r>
+              <a:rPr lang="en-US" altLang="zh-CN" sz="1200" b="0" dirty="0">
+                <a:solidFill>
+                  <a:srgbClr val="795E26"/>
+                </a:solidFill>
+                <a:effectLst/>
+                <a:latin typeface="Consolas" panose="020B0609020204030204" pitchFamily="49" charset="0"/>
+              </a:rPr>
+              <a:t>.</a:t>
+            </a:r>
+          </a:p>
+          <a:p>
+            <a:pPr>
+              <a:lnSpc>
+                <a:spcPts val="1425"/>
+              </a:lnSpc>
+            </a:pPr>
+            <a:r>
+              <a:rPr lang="en-US" altLang="zh-CN" sz="1200" b="0" dirty="0" err="1">
+                <a:solidFill>
+                  <a:srgbClr val="795E26"/>
+                </a:solidFill>
+                <a:effectLst/>
+                <a:latin typeface="Consolas" panose="020B0609020204030204" pitchFamily="49" charset="0"/>
+              </a:rPr>
+              <a:t>calc_aep_per_speed</a:t>
+            </a:r>
+            <a:endParaRPr lang="en-US" altLang="zh-CN" sz="1200" b="0" dirty="0">
+              <a:solidFill>
+                <a:srgbClr val="3B3B3B"/>
+              </a:solidFill>
+              <a:effectLst/>
+              <a:latin typeface="Consolas" panose="020B0609020204030204" pitchFamily="49" charset="0"/>
+            </a:endParaRPr>
+          </a:p>
+        </p:txBody>
+      </p:sp>
+      <p:sp>
+        <p:nvSpPr>
+          <p:cNvPr id="53" name="流程图: 数据 52">
+            <a:extLst>
+              <a:ext uri="{FF2B5EF4-FFF2-40B4-BE49-F238E27FC236}">
+                <a16:creationId xmlns:a16="http://schemas.microsoft.com/office/drawing/2014/main" id="{6ED611A8-F45C-88FD-D25C-23089637FAC4}"/>
+              </a:ext>
+            </a:extLst>
+          </p:cNvPr>
+          <p:cNvSpPr/>
+          <p:nvPr/>
+        </p:nvSpPr>
+        <p:spPr>
+          <a:xfrm>
+            <a:off x="5073792" y="2138986"/>
+            <a:ext cx="1603077" cy="506799"/>
+          </a:xfrm>
+          <a:prstGeom prst="flowChartInputOutput">
+            <a:avLst/>
+          </a:prstGeom>
+        </p:spPr>
+        <p:style>
+          <a:lnRef idx="2">
+            <a:schemeClr val="accent6"/>
+          </a:lnRef>
+          <a:fillRef idx="1">
+            <a:schemeClr val="lt1"/>
+          </a:fillRef>
+          <a:effectRef idx="0">
+            <a:schemeClr val="accent6"/>
+          </a:effectRef>
+          <a:fontRef idx="minor">
+            <a:schemeClr val="dk1"/>
+          </a:fontRef>
+        </p:style>
+        <p:txBody>
+          <a:bodyPr rtlCol="0" anchor="ctr"/>
+          <a:lstStyle/>
+          <a:p>
             <a:pPr algn="ctr"/>
             <a:r>
-              <a:rPr lang="en-US" altLang="zh-CN" sz="1200" dirty="0"/>
-              <a:t>classes</a:t>
+              <a:rPr lang="en-US" altLang="zh-CN" sz="1200" dirty="0" err="1"/>
+              <a:t>Wind_speed_and_direction_plot</a:t>
             </a:r>
             <a:endParaRPr lang="zh-CN" altLang="en-US" sz="1200" dirty="0"/>
           </a:p>
@@ -5203,23 +5555,420 @@
       </p:sp>
       <p:cxnSp>
         <p:nvCxnSpPr>
-          <p:cNvPr id="135" name="直接箭头连接符 134">
-            <a:extLst>
-              <a:ext uri="{FF2B5EF4-FFF2-40B4-BE49-F238E27FC236}">
-                <a16:creationId xmlns:a16="http://schemas.microsoft.com/office/drawing/2014/main" id="{32539989-087B-17E0-CE1D-6E52FDF062A2}"/>
+          <p:cNvPr id="70" name="直接箭头连接符 69">
+            <a:extLst>
+              <a:ext uri="{FF2B5EF4-FFF2-40B4-BE49-F238E27FC236}">
+                <a16:creationId xmlns:a16="http://schemas.microsoft.com/office/drawing/2014/main" id="{A8466DB3-9174-78D2-9283-A33F0813DB22}"/>
               </a:ext>
             </a:extLst>
           </p:cNvPr>
           <p:cNvCxnSpPr>
             <a:stCxn id="11" idx="3"/>
-            <a:endCxn id="16" idx="1"/>
+            <a:endCxn id="53" idx="2"/>
           </p:cNvCxnSpPr>
           <p:nvPr/>
         </p:nvCxnSpPr>
         <p:spPr>
+          <a:xfrm flipV="1">
+            <a:off x="4538268" y="2392386"/>
+            <a:ext cx="695832" cy="657783"/>
+          </a:xfrm>
+          <a:prstGeom prst="straightConnector1">
+            <a:avLst/>
+          </a:prstGeom>
+          <a:ln>
+            <a:tailEnd type="triangle"/>
+          </a:ln>
+        </p:spPr>
+        <p:style>
+          <a:lnRef idx="2">
+            <a:schemeClr val="dk1"/>
+          </a:lnRef>
+          <a:fillRef idx="0">
+            <a:schemeClr val="dk1"/>
+          </a:fillRef>
+          <a:effectRef idx="1">
+            <a:schemeClr val="dk1"/>
+          </a:effectRef>
+          <a:fontRef idx="minor">
+            <a:schemeClr val="tx1"/>
+          </a:fontRef>
+        </p:style>
+      </p:cxnSp>
+      <p:sp>
+        <p:nvSpPr>
+          <p:cNvPr id="73" name="流程图: 可选过程 72">
+            <a:extLst>
+              <a:ext uri="{FF2B5EF4-FFF2-40B4-BE49-F238E27FC236}">
+                <a16:creationId xmlns:a16="http://schemas.microsoft.com/office/drawing/2014/main" id="{63F15465-8D5B-704D-E4B6-C65BDA6AEF83}"/>
+              </a:ext>
+            </a:extLst>
+          </p:cNvPr>
+          <p:cNvSpPr/>
+          <p:nvPr/>
+        </p:nvSpPr>
+        <p:spPr>
           <a:xfrm>
-            <a:off x="4563317" y="2609485"/>
-            <a:ext cx="343732" cy="708791"/>
+            <a:off x="6129580" y="1604511"/>
+            <a:ext cx="2118874" cy="388885"/>
+          </a:xfrm>
+          <a:prstGeom prst="flowChartAlternateProcess">
+            <a:avLst/>
+          </a:prstGeom>
+          <a:ln>
+            <a:solidFill>
+              <a:srgbClr val="0070C0"/>
+            </a:solidFill>
+          </a:ln>
+        </p:spPr>
+        <p:style>
+          <a:lnRef idx="2">
+            <a:schemeClr val="accent6"/>
+          </a:lnRef>
+          <a:fillRef idx="1">
+            <a:schemeClr val="lt1"/>
+          </a:fillRef>
+          <a:effectRef idx="0">
+            <a:schemeClr val="accent6"/>
+          </a:effectRef>
+          <a:fontRef idx="minor">
+            <a:schemeClr val="dk1"/>
+          </a:fontRef>
+        </p:style>
+        <p:txBody>
+          <a:bodyPr rtlCol="0" anchor="ctr"/>
+          <a:lstStyle/>
+          <a:p>
+            <a:pPr>
+              <a:lnSpc>
+                <a:spcPts val="1425"/>
+              </a:lnSpc>
+            </a:pPr>
+            <a:r>
+              <a:rPr lang="en-US" altLang="zh-CN" sz="1200" dirty="0">
+                <a:solidFill>
+                  <a:srgbClr val="795E26"/>
+                </a:solidFill>
+                <a:latin typeface="Consolas" panose="020B0609020204030204" pitchFamily="49" charset="0"/>
+              </a:rPr>
+              <a:t>Interpolate_4_loc.</a:t>
+            </a:r>
+          </a:p>
+          <a:p>
+            <a:pPr>
+              <a:lnSpc>
+                <a:spcPts val="1425"/>
+              </a:lnSpc>
+            </a:pPr>
+            <a:r>
+              <a:rPr lang="en-US" altLang="zh-CN" sz="1200" b="0" dirty="0">
+                <a:solidFill>
+                  <a:srgbClr val="795E26"/>
+                </a:solidFill>
+                <a:effectLst/>
+                <a:latin typeface="Consolas" panose="020B0609020204030204" pitchFamily="49" charset="0"/>
+              </a:rPr>
+              <a:t>interpolate_max_ws_100</a:t>
+            </a:r>
+            <a:endParaRPr lang="en-US" altLang="zh-CN" sz="1200" b="0" dirty="0">
+              <a:solidFill>
+                <a:srgbClr val="3B3B3B"/>
+              </a:solidFill>
+              <a:effectLst/>
+              <a:latin typeface="Consolas" panose="020B0609020204030204" pitchFamily="49" charset="0"/>
+            </a:endParaRPr>
+          </a:p>
+        </p:txBody>
+      </p:sp>
+      <p:sp>
+        <p:nvSpPr>
+          <p:cNvPr id="87" name="流程图: 数据 86">
+            <a:extLst>
+              <a:ext uri="{FF2B5EF4-FFF2-40B4-BE49-F238E27FC236}">
+                <a16:creationId xmlns:a16="http://schemas.microsoft.com/office/drawing/2014/main" id="{02200C2C-FCCB-0DF5-6260-9E5445634195}"/>
+              </a:ext>
+            </a:extLst>
+          </p:cNvPr>
+          <p:cNvSpPr/>
+          <p:nvPr/>
+        </p:nvSpPr>
+        <p:spPr>
+          <a:xfrm>
+            <a:off x="9772058" y="4849091"/>
+            <a:ext cx="1603077" cy="506799"/>
+          </a:xfrm>
+          <a:prstGeom prst="flowChartInputOutput">
+            <a:avLst/>
+          </a:prstGeom>
+        </p:spPr>
+        <p:style>
+          <a:lnRef idx="2">
+            <a:schemeClr val="accent6"/>
+          </a:lnRef>
+          <a:fillRef idx="1">
+            <a:schemeClr val="lt1"/>
+          </a:fillRef>
+          <a:effectRef idx="0">
+            <a:schemeClr val="accent6"/>
+          </a:effectRef>
+          <a:fontRef idx="minor">
+            <a:schemeClr val="dk1"/>
+          </a:fontRef>
+        </p:style>
+        <p:txBody>
+          <a:bodyPr rtlCol="0" anchor="ctr"/>
+          <a:lstStyle/>
+          <a:p>
+            <a:pPr algn="ctr"/>
+            <a:r>
+              <a:rPr lang="en-US" altLang="zh-CN" sz="1200" dirty="0"/>
+              <a:t>Power Curve</a:t>
+            </a:r>
+            <a:endParaRPr lang="zh-CN" altLang="en-US" sz="1200" dirty="0"/>
+          </a:p>
+        </p:txBody>
+      </p:sp>
+      <p:sp>
+        <p:nvSpPr>
+          <p:cNvPr id="88" name="流程图: 可选过程 87">
+            <a:extLst>
+              <a:ext uri="{FF2B5EF4-FFF2-40B4-BE49-F238E27FC236}">
+                <a16:creationId xmlns:a16="http://schemas.microsoft.com/office/drawing/2014/main" id="{779D5EE6-93B3-BD92-B082-0DD4AC64390B}"/>
+              </a:ext>
+            </a:extLst>
+          </p:cNvPr>
+          <p:cNvSpPr/>
+          <p:nvPr/>
+        </p:nvSpPr>
+        <p:spPr>
+          <a:xfrm>
+            <a:off x="8494860" y="4095095"/>
+            <a:ext cx="1013639" cy="429869"/>
+          </a:xfrm>
+          <a:prstGeom prst="flowChartAlternateProcess">
+            <a:avLst/>
+          </a:prstGeom>
+          <a:ln>
+            <a:solidFill>
+              <a:srgbClr val="0070C0"/>
+            </a:solidFill>
+          </a:ln>
+        </p:spPr>
+        <p:style>
+          <a:lnRef idx="2">
+            <a:schemeClr val="accent6"/>
+          </a:lnRef>
+          <a:fillRef idx="1">
+            <a:schemeClr val="lt1"/>
+          </a:fillRef>
+          <a:effectRef idx="0">
+            <a:schemeClr val="accent6"/>
+          </a:effectRef>
+          <a:fontRef idx="minor">
+            <a:schemeClr val="dk1"/>
+          </a:fontRef>
+        </p:style>
+        <p:txBody>
+          <a:bodyPr rtlCol="0" anchor="ctr"/>
+          <a:lstStyle/>
+          <a:p>
+            <a:pPr>
+              <a:lnSpc>
+                <a:spcPts val="1425"/>
+              </a:lnSpc>
+            </a:pPr>
+            <a:r>
+              <a:rPr lang="en-US" altLang="zh-CN" sz="1200" b="0" dirty="0" err="1">
+                <a:solidFill>
+                  <a:srgbClr val="795E26"/>
+                </a:solidFill>
+                <a:effectLst/>
+                <a:latin typeface="Consolas" panose="020B0609020204030204" pitchFamily="49" charset="0"/>
+              </a:rPr>
+              <a:t>Aep</a:t>
+            </a:r>
+            <a:r>
+              <a:rPr lang="en-US" altLang="zh-CN" sz="1200" b="0" dirty="0">
+                <a:solidFill>
+                  <a:srgbClr val="795E26"/>
+                </a:solidFill>
+                <a:effectLst/>
+                <a:latin typeface="Consolas" panose="020B0609020204030204" pitchFamily="49" charset="0"/>
+              </a:rPr>
+              <a:t>.</a:t>
+            </a:r>
+          </a:p>
+          <a:p>
+            <a:pPr>
+              <a:lnSpc>
+                <a:spcPts val="1425"/>
+              </a:lnSpc>
+            </a:pPr>
+            <a:r>
+              <a:rPr lang="en-US" altLang="zh-CN" sz="1200" b="0" dirty="0" err="1">
+                <a:solidFill>
+                  <a:srgbClr val="795E26"/>
+                </a:solidFill>
+                <a:effectLst/>
+                <a:latin typeface="Consolas" panose="020B0609020204030204" pitchFamily="49" charset="0"/>
+              </a:rPr>
+              <a:t>calc_aep</a:t>
+            </a:r>
+            <a:endParaRPr lang="en-US" altLang="zh-CN" sz="1200" b="0" dirty="0">
+              <a:solidFill>
+                <a:srgbClr val="3B3B3B"/>
+              </a:solidFill>
+              <a:effectLst/>
+              <a:latin typeface="Consolas" panose="020B0609020204030204" pitchFamily="49" charset="0"/>
+            </a:endParaRPr>
+          </a:p>
+        </p:txBody>
+      </p:sp>
+      <p:cxnSp>
+        <p:nvCxnSpPr>
+          <p:cNvPr id="90" name="直接箭头连接符 89">
+            <a:extLst>
+              <a:ext uri="{FF2B5EF4-FFF2-40B4-BE49-F238E27FC236}">
+                <a16:creationId xmlns:a16="http://schemas.microsoft.com/office/drawing/2014/main" id="{09F8DB95-9EA1-E2FC-3652-0DE001A8E88C}"/>
+              </a:ext>
+            </a:extLst>
+          </p:cNvPr>
+          <p:cNvCxnSpPr>
+            <a:stCxn id="17" idx="3"/>
+            <a:endCxn id="88" idx="1"/>
+          </p:cNvCxnSpPr>
+          <p:nvPr/>
+        </p:nvCxnSpPr>
+        <p:spPr>
+          <a:xfrm flipV="1">
+            <a:off x="8100165" y="4310030"/>
+            <a:ext cx="394695" cy="414009"/>
+          </a:xfrm>
+          <a:prstGeom prst="straightConnector1">
+            <a:avLst/>
+          </a:prstGeom>
+          <a:ln>
+            <a:tailEnd type="triangle"/>
+          </a:ln>
+        </p:spPr>
+        <p:style>
+          <a:lnRef idx="2">
+            <a:schemeClr val="dk1"/>
+          </a:lnRef>
+          <a:fillRef idx="0">
+            <a:schemeClr val="dk1"/>
+          </a:fillRef>
+          <a:effectRef idx="1">
+            <a:schemeClr val="dk1"/>
+          </a:effectRef>
+          <a:fontRef idx="minor">
+            <a:schemeClr val="tx1"/>
+          </a:fontRef>
+        </p:style>
+      </p:cxnSp>
+      <p:cxnSp>
+        <p:nvCxnSpPr>
+          <p:cNvPr id="93" name="直接箭头连接符 92">
+            <a:extLst>
+              <a:ext uri="{FF2B5EF4-FFF2-40B4-BE49-F238E27FC236}">
+                <a16:creationId xmlns:a16="http://schemas.microsoft.com/office/drawing/2014/main" id="{0CA7882B-DAB1-670D-0636-5877C5518629}"/>
+              </a:ext>
+            </a:extLst>
+          </p:cNvPr>
+          <p:cNvCxnSpPr>
+            <a:stCxn id="17" idx="3"/>
+            <a:endCxn id="42" idx="1"/>
+          </p:cNvCxnSpPr>
+          <p:nvPr/>
+        </p:nvCxnSpPr>
+        <p:spPr>
+          <a:xfrm>
+            <a:off x="8100165" y="4724039"/>
+            <a:ext cx="418422" cy="378453"/>
+          </a:xfrm>
+          <a:prstGeom prst="straightConnector1">
+            <a:avLst/>
+          </a:prstGeom>
+          <a:ln>
+            <a:tailEnd type="triangle"/>
+          </a:ln>
+        </p:spPr>
+        <p:style>
+          <a:lnRef idx="2">
+            <a:schemeClr val="dk1"/>
+          </a:lnRef>
+          <a:fillRef idx="0">
+            <a:schemeClr val="dk1"/>
+          </a:fillRef>
+          <a:effectRef idx="1">
+            <a:schemeClr val="dk1"/>
+          </a:effectRef>
+          <a:fontRef idx="minor">
+            <a:schemeClr val="tx1"/>
+          </a:fontRef>
+        </p:style>
+      </p:cxnSp>
+      <p:cxnSp>
+        <p:nvCxnSpPr>
+          <p:cNvPr id="95" name="直接箭头连接符 94">
+            <a:extLst>
+              <a:ext uri="{FF2B5EF4-FFF2-40B4-BE49-F238E27FC236}">
+                <a16:creationId xmlns:a16="http://schemas.microsoft.com/office/drawing/2014/main" id="{4859FAD5-3062-9AA7-A375-190BE84AAB6B}"/>
+              </a:ext>
+            </a:extLst>
+          </p:cNvPr>
+          <p:cNvCxnSpPr>
+            <a:stCxn id="42" idx="3"/>
+            <a:endCxn id="87" idx="2"/>
+          </p:cNvCxnSpPr>
+          <p:nvPr/>
+        </p:nvCxnSpPr>
+        <p:spPr>
+          <a:xfrm flipV="1">
+            <a:off x="9532226" y="5102491"/>
+            <a:ext cx="400140" cy="1"/>
+          </a:xfrm>
+          <a:prstGeom prst="straightConnector1">
+            <a:avLst/>
+          </a:prstGeom>
+          <a:ln>
+            <a:tailEnd type="triangle"/>
+          </a:ln>
+        </p:spPr>
+        <p:style>
+          <a:lnRef idx="2">
+            <a:schemeClr val="dk1"/>
+          </a:lnRef>
+          <a:fillRef idx="0">
+            <a:schemeClr val="dk1"/>
+          </a:fillRef>
+          <a:effectRef idx="1">
+            <a:schemeClr val="dk1"/>
+          </a:effectRef>
+          <a:fontRef idx="minor">
+            <a:schemeClr val="tx1"/>
+          </a:fontRef>
+        </p:style>
+      </p:cxnSp>
+      <p:cxnSp>
+        <p:nvCxnSpPr>
+          <p:cNvPr id="103" name="直接箭头连接符 102">
+            <a:extLst>
+              <a:ext uri="{FF2B5EF4-FFF2-40B4-BE49-F238E27FC236}">
+                <a16:creationId xmlns:a16="http://schemas.microsoft.com/office/drawing/2014/main" id="{43754578-9AA3-7A70-F899-56E85A3EDAB4}"/>
+              </a:ext>
+            </a:extLst>
+          </p:cNvPr>
+          <p:cNvCxnSpPr>
+            <a:stCxn id="7" idx="3"/>
+            <a:endCxn id="73" idx="1"/>
+          </p:cNvCxnSpPr>
+          <p:nvPr/>
+        </p:nvCxnSpPr>
+        <p:spPr>
+          <a:xfrm>
+            <a:off x="5538159" y="1103998"/>
+            <a:ext cx="591421" cy="694956"/>
           </a:xfrm>
           <a:prstGeom prst="straightConnector1">
             <a:avLst/>
